--- a/Intermediate/CSharpIntermediate.pptx
+++ b/Intermediate/CSharpIntermediate.pptx
@@ -816,7 +816,7 @@
   <p:cSld>
     <p:spTree>
       <p:nvGrpSpPr>
-        <p:cNvPr id="117" name="Shape 117"/>
+        <p:cNvPr id="121" name="Shape 121"/>
         <p:cNvGrpSpPr/>
         <p:nvPr/>
       </p:nvGrpSpPr>
@@ -830,7 +830,7 @@
       </p:grpSpPr>
       <p:sp>
         <p:nvSpPr>
-          <p:cNvPr id="118" name="Google Shape;118;g5a841be5e8_0_41:notes"/>
+          <p:cNvPr id="122" name="Google Shape;122;g5a841be5e8_0_41:notes"/>
           <p:cNvSpPr/>
           <p:nvPr>
             <p:ph idx="2" type="sldImg"/>
@@ -865,7 +865,7 @@
       </p:sp>
       <p:sp>
         <p:nvSpPr>
-          <p:cNvPr id="119" name="Google Shape;119;g5a841be5e8_0_41:notes"/>
+          <p:cNvPr id="123" name="Google Shape;123;g5a841be5e8_0_41:notes"/>
           <p:cNvSpPr txBox="1"/>
           <p:nvPr>
             <p:ph idx="1" type="body"/>
@@ -915,7 +915,7 @@
   <p:cSld>
     <p:spTree>
       <p:nvGrpSpPr>
-        <p:cNvPr id="123" name="Shape 123"/>
+        <p:cNvPr id="127" name="Shape 127"/>
         <p:cNvGrpSpPr/>
         <p:nvPr/>
       </p:nvGrpSpPr>
@@ -929,7 +929,7 @@
       </p:grpSpPr>
       <p:sp>
         <p:nvSpPr>
-          <p:cNvPr id="124" name="Google Shape;124;g5a841be5e8_0_46:notes"/>
+          <p:cNvPr id="128" name="Google Shape;128;g5a841be5e8_0_46:notes"/>
           <p:cNvSpPr/>
           <p:nvPr>
             <p:ph idx="2" type="sldImg"/>
@@ -964,7 +964,7 @@
       </p:sp>
       <p:sp>
         <p:nvSpPr>
-          <p:cNvPr id="125" name="Google Shape;125;g5a841be5e8_0_46:notes"/>
+          <p:cNvPr id="129" name="Google Shape;129;g5a841be5e8_0_46:notes"/>
           <p:cNvSpPr txBox="1"/>
           <p:nvPr>
             <p:ph idx="1" type="body"/>
@@ -1014,7 +1014,7 @@
   <p:cSld>
     <p:spTree>
       <p:nvGrpSpPr>
-        <p:cNvPr id="129" name="Shape 129"/>
+        <p:cNvPr id="136" name="Shape 136"/>
         <p:cNvGrpSpPr/>
         <p:nvPr/>
       </p:nvGrpSpPr>
@@ -1028,7 +1028,7 @@
       </p:grpSpPr>
       <p:sp>
         <p:nvSpPr>
-          <p:cNvPr id="130" name="Google Shape;130;g5a9709b92f_0_21:notes"/>
+          <p:cNvPr id="137" name="Google Shape;137;g5a9709b92f_0_21:notes"/>
           <p:cNvSpPr/>
           <p:nvPr>
             <p:ph idx="2" type="sldImg"/>
@@ -1063,7 +1063,7 @@
       </p:sp>
       <p:sp>
         <p:nvSpPr>
-          <p:cNvPr id="131" name="Google Shape;131;g5a9709b92f_0_21:notes"/>
+          <p:cNvPr id="138" name="Google Shape;138;g5a9709b92f_0_21:notes"/>
           <p:cNvSpPr txBox="1"/>
           <p:nvPr>
             <p:ph idx="1" type="body"/>
@@ -1113,7 +1113,7 @@
   <p:cSld>
     <p:spTree>
       <p:nvGrpSpPr>
-        <p:cNvPr id="135" name="Shape 135"/>
+        <p:cNvPr id="142" name="Shape 142"/>
         <p:cNvGrpSpPr/>
         <p:nvPr/>
       </p:nvGrpSpPr>
@@ -1127,7 +1127,7 @@
       </p:grpSpPr>
       <p:sp>
         <p:nvSpPr>
-          <p:cNvPr id="136" name="Google Shape;136;g5a9709b92f_0_27:notes"/>
+          <p:cNvPr id="143" name="Google Shape;143;g5a9709b92f_0_27:notes"/>
           <p:cNvSpPr/>
           <p:nvPr>
             <p:ph idx="2" type="sldImg"/>
@@ -1162,7 +1162,7 @@
       </p:sp>
       <p:sp>
         <p:nvSpPr>
-          <p:cNvPr id="137" name="Google Shape;137;g5a9709b92f_0_27:notes"/>
+          <p:cNvPr id="144" name="Google Shape;144;g5a9709b92f_0_27:notes"/>
           <p:cNvSpPr txBox="1"/>
           <p:nvPr>
             <p:ph idx="1" type="body"/>
@@ -1905,7 +1905,7 @@
   <p:cSld>
     <p:spTree>
       <p:nvGrpSpPr>
-        <p:cNvPr id="110" name="Shape 110"/>
+        <p:cNvPr id="112" name="Shape 112"/>
         <p:cNvGrpSpPr/>
         <p:nvPr/>
       </p:nvGrpSpPr>
@@ -1919,7 +1919,7 @@
       </p:grpSpPr>
       <p:sp>
         <p:nvSpPr>
-          <p:cNvPr id="111" name="Google Shape;111;g5a9709b92f_0_10:notes"/>
+          <p:cNvPr id="113" name="Google Shape;113;g5a9709b92f_0_10:notes"/>
           <p:cNvSpPr/>
           <p:nvPr>
             <p:ph idx="2" type="sldImg"/>
@@ -1954,7 +1954,7 @@
       </p:sp>
       <p:sp>
         <p:nvSpPr>
-          <p:cNvPr id="112" name="Google Shape;112;g5a9709b92f_0_10:notes"/>
+          <p:cNvPr id="114" name="Google Shape;114;g5a9709b92f_0_10:notes"/>
           <p:cNvSpPr txBox="1"/>
           <p:nvPr>
             <p:ph idx="1" type="body"/>
@@ -8064,7 +8064,7 @@
   <p:cSld>
     <p:spTree>
       <p:nvGrpSpPr>
-        <p:cNvPr id="120" name="Shape 120"/>
+        <p:cNvPr id="124" name="Shape 124"/>
         <p:cNvGrpSpPr/>
         <p:nvPr/>
       </p:nvGrpSpPr>
@@ -8078,7 +8078,7 @@
       </p:grpSpPr>
       <p:sp>
         <p:nvSpPr>
-          <p:cNvPr id="121" name="Google Shape;121;p22"/>
+          <p:cNvPr id="125" name="Google Shape;125;p22"/>
           <p:cNvSpPr txBox="1"/>
           <p:nvPr>
             <p:ph type="title"/>
@@ -8118,7 +8118,7 @@
       </p:sp>
       <p:sp>
         <p:nvSpPr>
-          <p:cNvPr id="122" name="Google Shape;122;p22"/>
+          <p:cNvPr id="126" name="Google Shape;126;p22"/>
           <p:cNvSpPr txBox="1"/>
           <p:nvPr/>
         </p:nvSpPr>
@@ -8248,7 +8248,7 @@
   <p:cSld>
     <p:spTree>
       <p:nvGrpSpPr>
-        <p:cNvPr id="126" name="Shape 126"/>
+        <p:cNvPr id="130" name="Shape 130"/>
         <p:cNvGrpSpPr/>
         <p:nvPr/>
       </p:nvGrpSpPr>
@@ -8262,7 +8262,7 @@
       </p:grpSpPr>
       <p:sp>
         <p:nvSpPr>
-          <p:cNvPr id="127" name="Google Shape;127;p23"/>
+          <p:cNvPr id="131" name="Google Shape;131;p23"/>
           <p:cNvSpPr txBox="1"/>
           <p:nvPr>
             <p:ph type="title"/>
@@ -8302,7 +8302,7 @@
       </p:sp>
       <p:pic>
         <p:nvPicPr>
-          <p:cNvPr id="128" name="Google Shape;128;p23"/>
+          <p:cNvPr id="132" name="Google Shape;132;p23"/>
           <p:cNvPicPr preferRelativeResize="0"/>
           <p:nvPr/>
         </p:nvPicPr>
@@ -8316,8 +8316,8 @@
         </p:blipFill>
         <p:spPr>
           <a:xfrm>
-            <a:off x="244075" y="1786300"/>
-            <a:ext cx="5991225" cy="3105150"/>
+            <a:off x="130275" y="1586750"/>
+            <a:ext cx="6343650" cy="3162300"/>
           </a:xfrm>
           <a:prstGeom prst="rect">
             <a:avLst/>
@@ -8328,6 +8328,195 @@
           </a:ln>
         </p:spPr>
       </p:pic>
+      <p:sp>
+        <p:nvSpPr>
+          <p:cNvPr id="133" name="Google Shape;133;p23"/>
+          <p:cNvSpPr txBox="1"/>
+          <p:nvPr/>
+        </p:nvSpPr>
+        <p:spPr>
+          <a:xfrm>
+            <a:off x="5687275" y="2195300"/>
+            <a:ext cx="3036300" cy="1945200"/>
+          </a:xfrm>
+          <a:prstGeom prst="rect">
+            <a:avLst/>
+          </a:prstGeom>
+          <a:noFill/>
+          <a:ln>
+            <a:noFill/>
+          </a:ln>
+        </p:spPr>
+        <p:txBody>
+          <a:bodyPr anchorCtr="0" anchor="t" bIns="91425" lIns="91425" spcFirstLastPara="1" rIns="91425" wrap="square" tIns="91425">
+            <a:noAutofit/>
+          </a:bodyPr>
+          <a:lstStyle/>
+          <a:p>
+            <a:pPr indent="0" lvl="0" marL="457200" rtl="0" algn="l">
+              <a:spcBef>
+                <a:spcPts val="0"/>
+              </a:spcBef>
+              <a:spcAft>
+                <a:spcPts val="0"/>
+              </a:spcAft>
+              <a:buNone/>
+            </a:pPr>
+            <a:r>
+              <a:rPr lang="en" sz="2000">
+                <a:latin typeface="Roboto"/>
+                <a:ea typeface="Roboto"/>
+                <a:cs typeface="Roboto"/>
+                <a:sym typeface="Roboto"/>
+              </a:rPr>
+              <a:t>       </a:t>
+            </a:r>
+            <a:r>
+              <a:rPr lang="en" sz="2000">
+                <a:latin typeface="Roboto"/>
+                <a:ea typeface="Roboto"/>
+                <a:cs typeface="Roboto"/>
+                <a:sym typeface="Roboto"/>
+              </a:rPr>
+              <a:t>Note</a:t>
+            </a:r>
+            <a:endParaRPr sz="2000">
+              <a:latin typeface="Roboto"/>
+              <a:ea typeface="Roboto"/>
+              <a:cs typeface="Roboto"/>
+              <a:sym typeface="Roboto"/>
+            </a:endParaRPr>
+          </a:p>
+          <a:p>
+            <a:pPr indent="0" lvl="0" marL="457200" rtl="0" algn="l">
+              <a:spcBef>
+                <a:spcPts val="0"/>
+              </a:spcBef>
+              <a:spcAft>
+                <a:spcPts val="0"/>
+              </a:spcAft>
+              <a:buNone/>
+            </a:pPr>
+            <a:r>
+              <a:rPr lang="en" sz="2000">
+                <a:latin typeface="Roboto"/>
+                <a:ea typeface="Roboto"/>
+                <a:cs typeface="Roboto"/>
+                <a:sym typeface="Roboto"/>
+              </a:rPr>
+              <a:t>Double is more generic than int, so we opted to use it for our generic interface</a:t>
+            </a:r>
+            <a:endParaRPr sz="2000">
+              <a:latin typeface="Roboto"/>
+              <a:ea typeface="Roboto"/>
+              <a:cs typeface="Roboto"/>
+              <a:sym typeface="Roboto"/>
+            </a:endParaRPr>
+          </a:p>
+        </p:txBody>
+      </p:sp>
+      <p:sp>
+        <p:nvSpPr>
+          <p:cNvPr id="134" name="Google Shape;134;p23"/>
+          <p:cNvSpPr/>
+          <p:nvPr/>
+        </p:nvSpPr>
+        <p:spPr>
+          <a:xfrm>
+            <a:off x="6212625" y="2308625"/>
+            <a:ext cx="354000" cy="276600"/>
+          </a:xfrm>
+          <a:prstGeom prst="star4">
+            <a:avLst>
+              <a:gd fmla="val 12500" name="adj"/>
+            </a:avLst>
+          </a:prstGeom>
+          <a:solidFill>
+            <a:srgbClr val="FFE599"/>
+          </a:solidFill>
+          <a:ln cap="flat" cmpd="sng" w="9525">
+            <a:solidFill>
+              <a:schemeClr val="dk2"/>
+            </a:solidFill>
+            <a:prstDash val="solid"/>
+            <a:round/>
+            <a:headEnd len="sm" w="sm" type="none"/>
+            <a:tailEnd len="sm" w="sm" type="none"/>
+          </a:ln>
+        </p:spPr>
+        <p:txBody>
+          <a:bodyPr anchorCtr="0" anchor="ctr" bIns="91425" lIns="91425" spcFirstLastPara="1" rIns="91425" wrap="square" tIns="91425">
+            <a:noAutofit/>
+          </a:bodyPr>
+          <a:lstStyle/>
+          <a:p>
+            <a:pPr indent="0" lvl="0" marL="0" rtl="0" algn="l">
+              <a:spcBef>
+                <a:spcPts val="0"/>
+              </a:spcBef>
+              <a:spcAft>
+                <a:spcPts val="0"/>
+              </a:spcAft>
+              <a:buNone/>
+            </a:pPr>
+            <a:r>
+              <a:t/>
+            </a:r>
+            <a:endParaRPr/>
+          </a:p>
+        </p:txBody>
+      </p:sp>
+      <p:sp>
+        <p:nvSpPr>
+          <p:cNvPr id="135" name="Google Shape;135;p23"/>
+          <p:cNvSpPr/>
+          <p:nvPr/>
+        </p:nvSpPr>
+        <p:spPr>
+          <a:xfrm>
+            <a:off x="7305225" y="2308625"/>
+            <a:ext cx="354000" cy="276600"/>
+          </a:xfrm>
+          <a:prstGeom prst="star4">
+            <a:avLst>
+              <a:gd fmla="val 12500" name="adj"/>
+            </a:avLst>
+          </a:prstGeom>
+          <a:solidFill>
+            <a:srgbClr val="FFE599"/>
+          </a:solidFill>
+          <a:ln cap="flat" cmpd="sng" w="9525">
+            <a:solidFill>
+              <a:schemeClr val="dk2"/>
+            </a:solidFill>
+            <a:prstDash val="solid"/>
+            <a:round/>
+            <a:headEnd len="sm" w="sm" type="none"/>
+            <a:tailEnd len="sm" w="sm" type="none"/>
+          </a:ln>
+        </p:spPr>
+        <p:txBody>
+          <a:bodyPr anchorCtr="0" anchor="ctr" bIns="91425" lIns="91425" spcFirstLastPara="1" rIns="91425" wrap="square" tIns="91425">
+            <a:noAutofit/>
+          </a:bodyPr>
+          <a:lstStyle/>
+          <a:p>
+            <a:pPr indent="0" lvl="0" marL="0" rtl="0" algn="l">
+              <a:spcBef>
+                <a:spcPts val="0"/>
+              </a:spcBef>
+              <a:spcAft>
+                <a:spcPts val="0"/>
+              </a:spcAft>
+              <a:buNone/>
+            </a:pPr>
+            <a:r>
+              <a:t/>
+            </a:r>
+            <a:endParaRPr/>
+          </a:p>
+        </p:txBody>
+      </p:sp>
     </p:spTree>
   </p:cSld>
   <p:clrMapOvr>
@@ -8341,7 +8530,7 @@
   <p:cSld>
     <p:spTree>
       <p:nvGrpSpPr>
-        <p:cNvPr id="132" name="Shape 132"/>
+        <p:cNvPr id="139" name="Shape 139"/>
         <p:cNvGrpSpPr/>
         <p:nvPr/>
       </p:nvGrpSpPr>
@@ -8355,7 +8544,7 @@
       </p:grpSpPr>
       <p:sp>
         <p:nvSpPr>
-          <p:cNvPr id="133" name="Google Shape;133;p24"/>
+          <p:cNvPr id="140" name="Google Shape;140;p24"/>
           <p:cNvSpPr txBox="1"/>
           <p:nvPr>
             <p:ph type="title"/>
@@ -8395,7 +8584,7 @@
       </p:sp>
       <p:pic>
         <p:nvPicPr>
-          <p:cNvPr id="134" name="Google Shape;134;p24"/>
+          <p:cNvPr id="141" name="Google Shape;141;p24"/>
           <p:cNvPicPr preferRelativeResize="0"/>
           <p:nvPr/>
         </p:nvPicPr>
@@ -8409,8 +8598,8 @@
         </p:blipFill>
         <p:spPr>
           <a:xfrm>
-            <a:off x="396850" y="1429425"/>
-            <a:ext cx="4811610" cy="3714077"/>
+            <a:off x="152400" y="1277025"/>
+            <a:ext cx="4419599" cy="3853662"/>
           </a:xfrm>
           <a:prstGeom prst="rect">
             <a:avLst/>
@@ -8434,7 +8623,7 @@
   <p:cSld>
     <p:spTree>
       <p:nvGrpSpPr>
-        <p:cNvPr id="138" name="Shape 138"/>
+        <p:cNvPr id="145" name="Shape 145"/>
         <p:cNvGrpSpPr/>
         <p:nvPr/>
       </p:nvGrpSpPr>
@@ -8448,7 +8637,7 @@
       </p:grpSpPr>
       <p:sp>
         <p:nvSpPr>
-          <p:cNvPr id="139" name="Google Shape;139;p25"/>
+          <p:cNvPr id="146" name="Google Shape;146;p25"/>
           <p:cNvSpPr txBox="1"/>
           <p:nvPr>
             <p:ph type="title"/>
@@ -8488,14 +8677,14 @@
       </p:sp>
       <p:sp>
         <p:nvSpPr>
-          <p:cNvPr id="140" name="Google Shape;140;p25"/>
+          <p:cNvPr id="147" name="Google Shape;147;p25"/>
           <p:cNvSpPr txBox="1"/>
           <p:nvPr/>
         </p:nvSpPr>
         <p:spPr>
           <a:xfrm>
-            <a:off x="648350" y="1405550"/>
-            <a:ext cx="8382300" cy="3339600"/>
+            <a:off x="88025" y="2113450"/>
+            <a:ext cx="8835300" cy="1104000"/>
           </a:xfrm>
           <a:prstGeom prst="rect">
             <a:avLst/>
@@ -8511,7 +8700,7 @@
           </a:bodyPr>
           <a:lstStyle/>
           <a:p>
-            <a:pPr indent="-342900" lvl="0" marL="457200" rtl="0" algn="l">
+            <a:pPr indent="457200" lvl="0" marL="0" rtl="0" algn="l">
               <a:lnSpc>
                 <a:spcPct val="150000"/>
               </a:lnSpc>
@@ -8521,20 +8710,12 @@
               <a:spcAft>
                 <a:spcPts val="0"/>
               </a:spcAft>
-              <a:buSzPts val="1800"/>
-              <a:buFont typeface="Roboto"/>
-              <a:buAutoNum type="arabicPeriod"/>
+              <a:buNone/>
             </a:pPr>
             <a:r>
-              <a:rPr lang="en" sz="1800">
-                <a:latin typeface="Roboto"/>
-                <a:ea typeface="Roboto"/>
-                <a:cs typeface="Roboto"/>
-                <a:sym typeface="Roboto"/>
-              </a:rPr>
-              <a:t>Download this project from </a:t>
+              <a:t/>
             </a:r>
-            <a:endParaRPr sz="1800">
+            <a:endParaRPr sz="1600">
               <a:latin typeface="Roboto"/>
               <a:ea typeface="Roboto"/>
               <a:cs typeface="Roboto"/>
@@ -8542,7 +8723,7 @@
             </a:endParaRPr>
           </a:p>
           <a:p>
-            <a:pPr indent="-342900" lvl="0" marL="457200" rtl="0" algn="l">
+            <a:pPr indent="0" lvl="0" marL="0" rtl="0" algn="l">
               <a:lnSpc>
                 <a:spcPct val="150000"/>
               </a:lnSpc>
@@ -8552,222 +8733,18 @@
               <a:spcAft>
                 <a:spcPts val="0"/>
               </a:spcAft>
-              <a:buSzPts val="1800"/>
-              <a:buFont typeface="Roboto"/>
-              <a:buAutoNum type="arabicPeriod"/>
+              <a:buNone/>
             </a:pPr>
             <a:r>
-              <a:rPr lang="en" sz="1800">
+              <a:rPr lang="en" sz="1600">
                 <a:latin typeface="Roboto"/>
                 <a:ea typeface="Roboto"/>
                 <a:cs typeface="Roboto"/>
                 <a:sym typeface="Roboto"/>
               </a:rPr>
-              <a:t>Come up with another function to add to IShape</a:t>
+              <a:t>https://github.com/shpolina/CodeLouisville/blob/master/Intermediate/IntermediateExercise.txt</a:t>
             </a:r>
-            <a:br>
-              <a:rPr lang="en" sz="1800">
-                <a:latin typeface="Roboto"/>
-                <a:ea typeface="Roboto"/>
-                <a:cs typeface="Roboto"/>
-                <a:sym typeface="Roboto"/>
-              </a:rPr>
-            </a:br>
-            <a:r>
-              <a:rPr lang="en" sz="1800">
-                <a:latin typeface="Roboto"/>
-                <a:ea typeface="Roboto"/>
-                <a:cs typeface="Roboto"/>
-                <a:sym typeface="Roboto"/>
-              </a:rPr>
-              <a:t>Example: Perimeter() function</a:t>
-            </a:r>
-            <a:endParaRPr sz="1800">
-              <a:latin typeface="Roboto"/>
-              <a:ea typeface="Roboto"/>
-              <a:cs typeface="Roboto"/>
-              <a:sym typeface="Roboto"/>
-            </a:endParaRPr>
-          </a:p>
-          <a:p>
-            <a:pPr indent="-342900" lvl="0" marL="457200" rtl="0" algn="l">
-              <a:lnSpc>
-                <a:spcPct val="150000"/>
-              </a:lnSpc>
-              <a:spcBef>
-                <a:spcPts val="0"/>
-              </a:spcBef>
-              <a:spcAft>
-                <a:spcPts val="0"/>
-              </a:spcAft>
-              <a:buSzPts val="1800"/>
-              <a:buFont typeface="Roboto"/>
-              <a:buAutoNum type="arabicPeriod"/>
-            </a:pPr>
-            <a:r>
-              <a:rPr lang="en" sz="1800">
-                <a:latin typeface="Roboto"/>
-                <a:ea typeface="Roboto"/>
-                <a:cs typeface="Roboto"/>
-                <a:sym typeface="Roboto"/>
-              </a:rPr>
-              <a:t>Implement this function in RectangleExample2 class</a:t>
-            </a:r>
-            <a:endParaRPr sz="1800">
-              <a:latin typeface="Roboto"/>
-              <a:ea typeface="Roboto"/>
-              <a:cs typeface="Roboto"/>
-              <a:sym typeface="Roboto"/>
-            </a:endParaRPr>
-          </a:p>
-          <a:p>
-            <a:pPr indent="-342900" lvl="0" marL="457200" rtl="0" algn="l">
-              <a:lnSpc>
-                <a:spcPct val="150000"/>
-              </a:lnSpc>
-              <a:spcBef>
-                <a:spcPts val="0"/>
-              </a:spcBef>
-              <a:spcAft>
-                <a:spcPts val="0"/>
-              </a:spcAft>
-              <a:buSzPts val="1800"/>
-              <a:buFont typeface="Roboto"/>
-              <a:buAutoNum type="arabicPeriod"/>
-            </a:pPr>
-            <a:r>
-              <a:rPr lang="en" sz="1800">
-                <a:latin typeface="Roboto"/>
-                <a:ea typeface="Roboto"/>
-                <a:cs typeface="Roboto"/>
-                <a:sym typeface="Roboto"/>
-              </a:rPr>
-              <a:t>Bonus: </a:t>
-            </a:r>
-            <a:endParaRPr sz="1800">
-              <a:latin typeface="Roboto"/>
-              <a:ea typeface="Roboto"/>
-              <a:cs typeface="Roboto"/>
-              <a:sym typeface="Roboto"/>
-            </a:endParaRPr>
-          </a:p>
-          <a:p>
-            <a:pPr indent="457200" lvl="0" marL="0" rtl="0" algn="l">
-              <a:lnSpc>
-                <a:spcPct val="150000"/>
-              </a:lnSpc>
-              <a:spcBef>
-                <a:spcPts val="0"/>
-              </a:spcBef>
-              <a:spcAft>
-                <a:spcPts val="0"/>
-              </a:spcAft>
-              <a:buNone/>
-            </a:pPr>
-            <a:r>
-              <a:rPr lang="en" sz="1800">
-                <a:latin typeface="Roboto"/>
-                <a:ea typeface="Roboto"/>
-                <a:cs typeface="Roboto"/>
-                <a:sym typeface="Roboto"/>
-              </a:rPr>
-              <a:t>4.1.	Create new class 3DRectangle with properties: Height, </a:t>
-            </a:r>
-            <a:r>
-              <a:rPr lang="en" sz="1800">
-                <a:latin typeface="Roboto"/>
-                <a:ea typeface="Roboto"/>
-                <a:cs typeface="Roboto"/>
-                <a:sym typeface="Roboto"/>
-              </a:rPr>
-              <a:t>Width</a:t>
-            </a:r>
-            <a:r>
-              <a:rPr lang="en" sz="1800">
-                <a:latin typeface="Roboto"/>
-                <a:ea typeface="Roboto"/>
-                <a:cs typeface="Roboto"/>
-                <a:sym typeface="Roboto"/>
-              </a:rPr>
-              <a:t> and Depth</a:t>
-            </a:r>
-            <a:endParaRPr sz="1800">
-              <a:latin typeface="Roboto"/>
-              <a:ea typeface="Roboto"/>
-              <a:cs typeface="Roboto"/>
-              <a:sym typeface="Roboto"/>
-            </a:endParaRPr>
-          </a:p>
-          <a:p>
-            <a:pPr indent="457200" lvl="0" marL="0" rtl="0" algn="l">
-              <a:lnSpc>
-                <a:spcPct val="150000"/>
-              </a:lnSpc>
-              <a:spcBef>
-                <a:spcPts val="0"/>
-              </a:spcBef>
-              <a:spcAft>
-                <a:spcPts val="0"/>
-              </a:spcAft>
-              <a:buNone/>
-            </a:pPr>
-            <a:r>
-              <a:rPr lang="en" sz="1800">
-                <a:latin typeface="Roboto"/>
-                <a:ea typeface="Roboto"/>
-                <a:cs typeface="Roboto"/>
-                <a:sym typeface="Roboto"/>
-              </a:rPr>
-              <a:t>4.2. Make </a:t>
-            </a:r>
-            <a:r>
-              <a:rPr lang="en" sz="1800">
-                <a:latin typeface="Roboto"/>
-                <a:ea typeface="Roboto"/>
-                <a:cs typeface="Roboto"/>
-                <a:sym typeface="Roboto"/>
-              </a:rPr>
-              <a:t>3DRectangle </a:t>
-            </a:r>
-            <a:r>
-              <a:rPr lang="en" sz="1800">
-                <a:latin typeface="Roboto"/>
-                <a:ea typeface="Roboto"/>
-                <a:cs typeface="Roboto"/>
-                <a:sym typeface="Roboto"/>
-              </a:rPr>
-              <a:t>inherit from IShape </a:t>
-            </a:r>
-            <a:endParaRPr sz="1800">
-              <a:latin typeface="Roboto"/>
-              <a:ea typeface="Roboto"/>
-              <a:cs typeface="Roboto"/>
-              <a:sym typeface="Roboto"/>
-            </a:endParaRPr>
-          </a:p>
-          <a:p>
-            <a:pPr indent="457200" lvl="0" marL="0" rtl="0" algn="l">
-              <a:lnSpc>
-                <a:spcPct val="150000"/>
-              </a:lnSpc>
-              <a:spcBef>
-                <a:spcPts val="0"/>
-              </a:spcBef>
-              <a:spcAft>
-                <a:spcPts val="0"/>
-              </a:spcAft>
-              <a:buNone/>
-            </a:pPr>
-            <a:r>
-              <a:rPr lang="en" sz="1800">
-                <a:latin typeface="Roboto"/>
-                <a:ea typeface="Roboto"/>
-                <a:cs typeface="Roboto"/>
-                <a:sym typeface="Roboto"/>
-              </a:rPr>
-              <a:t>4.3. Implement all required functions</a:t>
-            </a:r>
-            <a:endParaRPr sz="1800">
+            <a:endParaRPr sz="1600">
               <a:latin typeface="Roboto"/>
               <a:ea typeface="Roboto"/>
               <a:cs typeface="Roboto"/>
@@ -10214,7 +10191,16 @@
                 <a:cs typeface="Roboto"/>
                 <a:sym typeface="Roboto"/>
               </a:rPr>
-              <a:t>Note that Print() function is defined as abstract and doesn’t have an implementation</a:t>
+              <a:t>       </a:t>
+            </a:r>
+            <a:r>
+              <a:rPr lang="en" sz="2000">
+                <a:latin typeface="Roboto"/>
+                <a:ea typeface="Roboto"/>
+                <a:cs typeface="Roboto"/>
+                <a:sym typeface="Roboto"/>
+              </a:rPr>
+              <a:t>Note</a:t>
             </a:r>
             <a:endParaRPr sz="2000">
               <a:latin typeface="Roboto"/>
@@ -10222,6 +10208,143 @@
               <a:cs typeface="Roboto"/>
               <a:sym typeface="Roboto"/>
             </a:endParaRPr>
+          </a:p>
+          <a:p>
+            <a:pPr indent="0" lvl="0" marL="457200" rtl="0" algn="l">
+              <a:spcBef>
+                <a:spcPts val="0"/>
+              </a:spcBef>
+              <a:spcAft>
+                <a:spcPts val="0"/>
+              </a:spcAft>
+              <a:buNone/>
+            </a:pPr>
+            <a:r>
+              <a:rPr lang="en" sz="2000">
+                <a:latin typeface="Roboto"/>
+                <a:ea typeface="Roboto"/>
+                <a:cs typeface="Roboto"/>
+                <a:sym typeface="Roboto"/>
+              </a:rPr>
+              <a:t> </a:t>
+            </a:r>
+            <a:r>
+              <a:rPr lang="en" sz="2000">
+                <a:latin typeface="Roboto"/>
+                <a:ea typeface="Roboto"/>
+                <a:cs typeface="Roboto"/>
+                <a:sym typeface="Roboto"/>
+              </a:rPr>
+              <a:t>Print() function is defined as abstract and doesn’t have an implementation</a:t>
+            </a:r>
+            <a:endParaRPr sz="2000">
+              <a:latin typeface="Roboto"/>
+              <a:ea typeface="Roboto"/>
+              <a:cs typeface="Roboto"/>
+              <a:sym typeface="Roboto"/>
+            </a:endParaRPr>
+          </a:p>
+        </p:txBody>
+      </p:sp>
+      <p:sp>
+        <p:nvSpPr>
+          <p:cNvPr id="110" name="Google Shape;110;p20"/>
+          <p:cNvSpPr/>
+          <p:nvPr/>
+        </p:nvSpPr>
+        <p:spPr>
+          <a:xfrm>
+            <a:off x="6632950" y="2295150"/>
+            <a:ext cx="354000" cy="276600"/>
+          </a:xfrm>
+          <a:prstGeom prst="star4">
+            <a:avLst>
+              <a:gd fmla="val 12500" name="adj"/>
+            </a:avLst>
+          </a:prstGeom>
+          <a:solidFill>
+            <a:srgbClr val="FFE599"/>
+          </a:solidFill>
+          <a:ln cap="flat" cmpd="sng" w="9525">
+            <a:solidFill>
+              <a:schemeClr val="dk2"/>
+            </a:solidFill>
+            <a:prstDash val="solid"/>
+            <a:round/>
+            <a:headEnd len="sm" w="sm" type="none"/>
+            <a:tailEnd len="sm" w="sm" type="none"/>
+          </a:ln>
+        </p:spPr>
+        <p:txBody>
+          <a:bodyPr anchorCtr="0" anchor="ctr" bIns="91425" lIns="91425" spcFirstLastPara="1" rIns="91425" wrap="square" tIns="91425">
+            <a:noAutofit/>
+          </a:bodyPr>
+          <a:lstStyle/>
+          <a:p>
+            <a:pPr indent="0" lvl="0" marL="0" rtl="0" algn="l">
+              <a:spcBef>
+                <a:spcPts val="0"/>
+              </a:spcBef>
+              <a:spcAft>
+                <a:spcPts val="0"/>
+              </a:spcAft>
+              <a:buNone/>
+            </a:pPr>
+            <a:r>
+              <a:t/>
+            </a:r>
+            <a:endParaRPr/>
+          </a:p>
+        </p:txBody>
+      </p:sp>
+      <p:sp>
+        <p:nvSpPr>
+          <p:cNvPr id="111" name="Google Shape;111;p20"/>
+          <p:cNvSpPr/>
+          <p:nvPr/>
+        </p:nvSpPr>
+        <p:spPr>
+          <a:xfrm>
+            <a:off x="7725550" y="2295150"/>
+            <a:ext cx="354000" cy="276600"/>
+          </a:xfrm>
+          <a:prstGeom prst="star4">
+            <a:avLst>
+              <a:gd fmla="val 12500" name="adj"/>
+            </a:avLst>
+          </a:prstGeom>
+          <a:solidFill>
+            <a:srgbClr val="FFE599"/>
+          </a:solidFill>
+          <a:ln cap="flat" cmpd="sng" w="9525">
+            <a:solidFill>
+              <a:schemeClr val="dk2"/>
+            </a:solidFill>
+            <a:prstDash val="solid"/>
+            <a:round/>
+            <a:headEnd len="sm" w="sm" type="none"/>
+            <a:tailEnd len="sm" w="sm" type="none"/>
+          </a:ln>
+        </p:spPr>
+        <p:txBody>
+          <a:bodyPr anchorCtr="0" anchor="ctr" bIns="91425" lIns="91425" spcFirstLastPara="1" rIns="91425" wrap="square" tIns="91425">
+            <a:noAutofit/>
+          </a:bodyPr>
+          <a:lstStyle/>
+          <a:p>
+            <a:pPr indent="0" lvl="0" marL="0" rtl="0" algn="l">
+              <a:spcBef>
+                <a:spcPts val="0"/>
+              </a:spcBef>
+              <a:spcAft>
+                <a:spcPts val="0"/>
+              </a:spcAft>
+              <a:buNone/>
+            </a:pPr>
+            <a:r>
+              <a:t/>
+            </a:r>
+            <a:endParaRPr/>
           </a:p>
         </p:txBody>
       </p:sp>
@@ -10238,7 +10361,7 @@
   <p:cSld>
     <p:spTree>
       <p:nvGrpSpPr>
-        <p:cNvPr id="113" name="Shape 113"/>
+        <p:cNvPr id="115" name="Shape 115"/>
         <p:cNvGrpSpPr/>
         <p:nvPr/>
       </p:nvGrpSpPr>
@@ -10252,7 +10375,7 @@
       </p:grpSpPr>
       <p:sp>
         <p:nvSpPr>
-          <p:cNvPr id="114" name="Google Shape;114;p21"/>
+          <p:cNvPr id="116" name="Google Shape;116;p21"/>
           <p:cNvSpPr txBox="1"/>
           <p:nvPr>
             <p:ph type="title"/>
@@ -10292,14 +10415,14 @@
       </p:sp>
       <p:sp>
         <p:nvSpPr>
-          <p:cNvPr id="115" name="Google Shape;115;p21"/>
+          <p:cNvPr id="117" name="Google Shape;117;p21"/>
           <p:cNvSpPr txBox="1"/>
           <p:nvPr/>
         </p:nvSpPr>
         <p:spPr>
           <a:xfrm>
-            <a:off x="5975200" y="1536800"/>
-            <a:ext cx="3168900" cy="3390900"/>
+            <a:off x="5975200" y="1270775"/>
+            <a:ext cx="3168900" cy="3657000"/>
           </a:xfrm>
           <a:prstGeom prst="rect">
             <a:avLst/>
@@ -10314,6 +10437,32 @@
             <a:noAutofit/>
           </a:bodyPr>
           <a:lstStyle/>
+          <a:p>
+            <a:pPr indent="0" lvl="0" marL="457200" rtl="0" algn="l">
+              <a:spcBef>
+                <a:spcPts val="0"/>
+              </a:spcBef>
+              <a:spcAft>
+                <a:spcPts val="0"/>
+              </a:spcAft>
+              <a:buNone/>
+            </a:pPr>
+            <a:r>
+              <a:rPr lang="en" sz="1800">
+                <a:latin typeface="Roboto"/>
+                <a:ea typeface="Roboto"/>
+                <a:cs typeface="Roboto"/>
+                <a:sym typeface="Roboto"/>
+              </a:rPr>
+              <a:t>           Note</a:t>
+            </a:r>
+            <a:endParaRPr sz="1800">
+              <a:latin typeface="Roboto"/>
+              <a:ea typeface="Roboto"/>
+              <a:cs typeface="Roboto"/>
+              <a:sym typeface="Roboto"/>
+            </a:endParaRPr>
+          </a:p>
           <a:p>
             <a:pPr indent="-342900" lvl="0" marL="457200" rtl="0" algn="l">
               <a:spcBef>
@@ -10394,7 +10543,7 @@
       </p:sp>
       <p:pic>
         <p:nvPicPr>
-          <p:cNvPr id="116" name="Google Shape;116;p21"/>
+          <p:cNvPr id="118" name="Google Shape;118;p21"/>
           <p:cNvPicPr preferRelativeResize="0"/>
           <p:nvPr/>
         </p:nvPicPr>
@@ -10420,6 +10569,108 @@
           </a:ln>
         </p:spPr>
       </p:pic>
+      <p:sp>
+        <p:nvSpPr>
+          <p:cNvPr id="119" name="Google Shape;119;p21"/>
+          <p:cNvSpPr/>
+          <p:nvPr/>
+        </p:nvSpPr>
+        <p:spPr>
+          <a:xfrm>
+            <a:off x="6721450" y="1357350"/>
+            <a:ext cx="354000" cy="276600"/>
+          </a:xfrm>
+          <a:prstGeom prst="star4">
+            <a:avLst>
+              <a:gd fmla="val 12500" name="adj"/>
+            </a:avLst>
+          </a:prstGeom>
+          <a:solidFill>
+            <a:srgbClr val="FFE599"/>
+          </a:solidFill>
+          <a:ln cap="flat" cmpd="sng" w="9525">
+            <a:solidFill>
+              <a:schemeClr val="dk2"/>
+            </a:solidFill>
+            <a:prstDash val="solid"/>
+            <a:round/>
+            <a:headEnd len="sm" w="sm" type="none"/>
+            <a:tailEnd len="sm" w="sm" type="none"/>
+          </a:ln>
+        </p:spPr>
+        <p:txBody>
+          <a:bodyPr anchorCtr="0" anchor="ctr" bIns="91425" lIns="91425" spcFirstLastPara="1" rIns="91425" wrap="square" tIns="91425">
+            <a:noAutofit/>
+          </a:bodyPr>
+          <a:lstStyle/>
+          <a:p>
+            <a:pPr indent="0" lvl="0" marL="0" rtl="0" algn="l">
+              <a:spcBef>
+                <a:spcPts val="0"/>
+              </a:spcBef>
+              <a:spcAft>
+                <a:spcPts val="0"/>
+              </a:spcAft>
+              <a:buNone/>
+            </a:pPr>
+            <a:r>
+              <a:t/>
+            </a:r>
+            <a:endParaRPr/>
+          </a:p>
+        </p:txBody>
+      </p:sp>
+      <p:sp>
+        <p:nvSpPr>
+          <p:cNvPr id="120" name="Google Shape;120;p21"/>
+          <p:cNvSpPr/>
+          <p:nvPr/>
+        </p:nvSpPr>
+        <p:spPr>
+          <a:xfrm>
+            <a:off x="7814050" y="1357350"/>
+            <a:ext cx="354000" cy="276600"/>
+          </a:xfrm>
+          <a:prstGeom prst="star4">
+            <a:avLst>
+              <a:gd fmla="val 12500" name="adj"/>
+            </a:avLst>
+          </a:prstGeom>
+          <a:solidFill>
+            <a:srgbClr val="FFE599"/>
+          </a:solidFill>
+          <a:ln cap="flat" cmpd="sng" w="9525">
+            <a:solidFill>
+              <a:schemeClr val="dk2"/>
+            </a:solidFill>
+            <a:prstDash val="solid"/>
+            <a:round/>
+            <a:headEnd len="sm" w="sm" type="none"/>
+            <a:tailEnd len="sm" w="sm" type="none"/>
+          </a:ln>
+        </p:spPr>
+        <p:txBody>
+          <a:bodyPr anchorCtr="0" anchor="ctr" bIns="91425" lIns="91425" spcFirstLastPara="1" rIns="91425" wrap="square" tIns="91425">
+            <a:noAutofit/>
+          </a:bodyPr>
+          <a:lstStyle/>
+          <a:p>
+            <a:pPr indent="0" lvl="0" marL="0" rtl="0" algn="l">
+              <a:spcBef>
+                <a:spcPts val="0"/>
+              </a:spcBef>
+              <a:spcAft>
+                <a:spcPts val="0"/>
+              </a:spcAft>
+              <a:buNone/>
+            </a:pPr>
+            <a:r>
+              <a:t/>
+            </a:r>
+            <a:endParaRPr/>
+          </a:p>
+        </p:txBody>
+      </p:sp>
     </p:spTree>
   </p:cSld>
   <p:clrMapOvr>
@@ -10429,6 +10680,285 @@
 </file>
 
 <file path=ppt/theme/theme1.xml><?xml version="1.0" encoding="utf-8"?>
+<a:theme xmlns:a="http://schemas.openxmlformats.org/drawingml/2006/main" xmlns:r="http://schemas.openxmlformats.org/officeDocument/2006/relationships">
+  <a:themeElements>
+    <a:clrScheme name="Default">
+      <a:dk1>
+        <a:srgbClr val="000000"/>
+      </a:dk1>
+      <a:lt1>
+        <a:srgbClr val="FFFFFF"/>
+      </a:lt1>
+      <a:dk2>
+        <a:srgbClr val="158158"/>
+      </a:dk2>
+      <a:lt2>
+        <a:srgbClr val="F3F3F3"/>
+      </a:lt2>
+      <a:accent1>
+        <a:srgbClr val="058DC7"/>
+      </a:accent1>
+      <a:accent2>
+        <a:srgbClr val="50B432"/>
+      </a:accent2>
+      <a:accent3>
+        <a:srgbClr val="ED561B"/>
+      </a:accent3>
+      <a:accent4>
+        <a:srgbClr val="EDEF00"/>
+      </a:accent4>
+      <a:accent5>
+        <a:srgbClr val="24CBE5"/>
+      </a:accent5>
+      <a:accent6>
+        <a:srgbClr val="64E572"/>
+      </a:accent6>
+      <a:hlink>
+        <a:srgbClr val="2200CC"/>
+      </a:hlink>
+      <a:folHlink>
+        <a:srgbClr val="551A8B"/>
+      </a:folHlink>
+    </a:clrScheme>
+    <a:fontScheme name="Office">
+      <a:majorFont>
+        <a:latin typeface="Arial"/>
+        <a:ea typeface=""/>
+        <a:cs typeface=""/>
+        <a:font script="Jpan" typeface="ＭＳ Ｐゴシック"/>
+        <a:font script="Hang" typeface="맑은 고딕"/>
+        <a:font script="Hans" typeface="宋体"/>
+        <a:font script="Hant" typeface="新細明體"/>
+        <a:font script="Arab" typeface="Times New Roman"/>
+        <a:font script="Hebr" typeface="Times New Roman"/>
+        <a:font script="Thai" typeface="Angsana New"/>
+        <a:font script="Ethi" typeface="Nyala"/>
+        <a:font script="Beng" typeface="Vrinda"/>
+        <a:font script="Gujr" typeface="Shruti"/>
+        <a:font script="Khmr" typeface="MoolBoran"/>
+        <a:font script="Knda" typeface="Tunga"/>
+        <a:font script="Guru" typeface="Raavi"/>
+        <a:font script="Cans" typeface="Euphemia"/>
+        <a:font script="Cher" typeface="Plantagenet Cherokee"/>
+        <a:font script="Yiii" typeface="Microsoft Yi Baiti"/>
+        <a:font script="Tibt" typeface="Microsoft Himalaya"/>
+        <a:font script="Thaa" typeface="MV Boli"/>
+        <a:font script="Deva" typeface="Mangal"/>
+        <a:font script="Telu" typeface="Gautami"/>
+        <a:font script="Taml" typeface="Latha"/>
+        <a:font script="Syrc" typeface="Estrangelo Edessa"/>
+        <a:font script="Orya" typeface="Kalinga"/>
+        <a:font script="Mlym" typeface="Kartika"/>
+        <a:font script="Laoo" typeface="DokChampa"/>
+        <a:font script="Sinh" typeface="Iskoola Pota"/>
+        <a:font script="Mong" typeface="Mongolian Baiti"/>
+        <a:font script="Viet" typeface="Times New Roman"/>
+        <a:font script="Uigh" typeface="Microsoft Uighur"/>
+        <a:font script="Geor" typeface="Sylfaen"/>
+      </a:majorFont>
+      <a:minorFont>
+        <a:latin typeface="Arial"/>
+        <a:ea typeface=""/>
+        <a:cs typeface=""/>
+        <a:font script="Jpan" typeface="ＭＳ Ｐゴシック"/>
+        <a:font script="Hang" typeface="맑은 고딕"/>
+        <a:font script="Hans" typeface="宋体"/>
+        <a:font script="Hant" typeface="新細明體"/>
+        <a:font script="Arab" typeface="Arial"/>
+        <a:font script="Hebr" typeface="Arial"/>
+        <a:font script="Thai" typeface="Cordia New"/>
+        <a:font script="Ethi" typeface="Nyala"/>
+        <a:font script="Beng" typeface="Vrinda"/>
+        <a:font script="Gujr" typeface="Shruti"/>
+        <a:font script="Khmr" typeface="DaunPenh"/>
+        <a:font script="Knda" typeface="Tunga"/>
+        <a:font script="Guru" typeface="Raavi"/>
+        <a:font script="Cans" typeface="Euphemia"/>
+        <a:font script="Cher" typeface="Plantagenet Cherokee"/>
+        <a:font script="Yiii" typeface="Microsoft Yi Baiti"/>
+        <a:font script="Tibt" typeface="Microsoft Himalaya"/>
+        <a:font script="Thaa" typeface="MV Boli"/>
+        <a:font script="Deva" typeface="Mangal"/>
+        <a:font script="Telu" typeface="Gautami"/>
+        <a:font script="Taml" typeface="Latha"/>
+        <a:font script="Syrc" typeface="Estrangelo Edessa"/>
+        <a:font script="Orya" typeface="Kalinga"/>
+        <a:font script="Mlym" typeface="Kartika"/>
+        <a:font script="Laoo" typeface="DokChampa"/>
+        <a:font script="Sinh" typeface="Iskoola Pota"/>
+        <a:font script="Mong" typeface="Mongolian Baiti"/>
+        <a:font script="Viet" typeface="Arial"/>
+        <a:font script="Uigh" typeface="Microsoft Uighur"/>
+        <a:font script="Geor" typeface="Sylfaen"/>
+      </a:minorFont>
+    </a:fontScheme>
+    <a:fmtScheme name="Office">
+      <a:fillStyleLst>
+        <a:solidFill>
+          <a:schemeClr val="phClr"/>
+        </a:solidFill>
+        <a:gradFill rotWithShape="1">
+          <a:gsLst>
+            <a:gs pos="0">
+              <a:schemeClr val="phClr">
+                <a:tint val="50000"/>
+                <a:satMod val="300000"/>
+              </a:schemeClr>
+            </a:gs>
+            <a:gs pos="35000">
+              <a:schemeClr val="phClr">
+                <a:tint val="37000"/>
+                <a:satMod val="300000"/>
+              </a:schemeClr>
+            </a:gs>
+            <a:gs pos="100000">
+              <a:schemeClr val="phClr">
+                <a:tint val="15000"/>
+                <a:satMod val="350000"/>
+              </a:schemeClr>
+            </a:gs>
+          </a:gsLst>
+          <a:lin ang="16200000" scaled="1"/>
+        </a:gradFill>
+        <a:gradFill rotWithShape="1">
+          <a:gsLst>
+            <a:gs pos="0">
+              <a:schemeClr val="phClr">
+                <a:tint val="100000"/>
+                <a:shade val="100000"/>
+                <a:satMod val="130000"/>
+              </a:schemeClr>
+            </a:gs>
+            <a:gs pos="100000">
+              <a:schemeClr val="phClr">
+                <a:tint val="50000"/>
+                <a:shade val="100000"/>
+                <a:satMod val="350000"/>
+              </a:schemeClr>
+            </a:gs>
+          </a:gsLst>
+          <a:lin ang="16200000" scaled="0"/>
+        </a:gradFill>
+      </a:fillStyleLst>
+      <a:lnStyleLst>
+        <a:ln w="9525" cap="flat" cmpd="sng" algn="ctr">
+          <a:solidFill>
+            <a:schemeClr val="phClr">
+              <a:shade val="95000"/>
+              <a:satMod val="105000"/>
+            </a:schemeClr>
+          </a:solidFill>
+          <a:prstDash val="solid"/>
+        </a:ln>
+        <a:ln w="25400" cap="flat" cmpd="sng" algn="ctr">
+          <a:solidFill>
+            <a:schemeClr val="phClr"/>
+          </a:solidFill>
+          <a:prstDash val="solid"/>
+        </a:ln>
+        <a:ln w="38100" cap="flat" cmpd="sng" algn="ctr">
+          <a:solidFill>
+            <a:schemeClr val="phClr"/>
+          </a:solidFill>
+          <a:prstDash val="solid"/>
+        </a:ln>
+      </a:lnStyleLst>
+      <a:effectStyleLst>
+        <a:effectStyle>
+          <a:effectLst>
+            <a:outerShdw blurRad="40000" dist="20000" dir="5400000" rotWithShape="0">
+              <a:srgbClr val="000000">
+                <a:alpha val="38000"/>
+              </a:srgbClr>
+            </a:outerShdw>
+          </a:effectLst>
+        </a:effectStyle>
+        <a:effectStyle>
+          <a:effectLst>
+            <a:outerShdw blurRad="40000" dist="23000" dir="5400000" rotWithShape="0">
+              <a:srgbClr val="000000">
+                <a:alpha val="35000"/>
+              </a:srgbClr>
+            </a:outerShdw>
+          </a:effectLst>
+        </a:effectStyle>
+        <a:effectStyle>
+          <a:effectLst>
+            <a:outerShdw blurRad="40000" dist="23000" dir="5400000" rotWithShape="0">
+              <a:srgbClr val="000000">
+                <a:alpha val="35000"/>
+              </a:srgbClr>
+            </a:outerShdw>
+          </a:effectLst>
+          <a:scene3d>
+            <a:camera prst="orthographicFront">
+              <a:rot lat="0" lon="0" rev="0"/>
+            </a:camera>
+            <a:lightRig rig="threePt" dir="t">
+              <a:rot lat="0" lon="0" rev="1200000"/>
+            </a:lightRig>
+          </a:scene3d>
+          <a:sp3d>
+            <a:bevelT w="63500" h="25400"/>
+          </a:sp3d>
+        </a:effectStyle>
+      </a:effectStyleLst>
+      <a:bgFillStyleLst>
+        <a:solidFill>
+          <a:schemeClr val="phClr"/>
+        </a:solidFill>
+        <a:gradFill rotWithShape="1">
+          <a:gsLst>
+            <a:gs pos="0">
+              <a:schemeClr val="phClr">
+                <a:tint val="40000"/>
+                <a:satMod val="350000"/>
+              </a:schemeClr>
+            </a:gs>
+            <a:gs pos="40000">
+              <a:schemeClr val="phClr">
+                <a:tint val="45000"/>
+                <a:shade val="99000"/>
+                <a:satMod val="350000"/>
+              </a:schemeClr>
+            </a:gs>
+            <a:gs pos="100000">
+              <a:schemeClr val="phClr">
+                <a:shade val="20000"/>
+                <a:satMod val="255000"/>
+              </a:schemeClr>
+            </a:gs>
+          </a:gsLst>
+          <a:path path="circle">
+            <a:fillToRect l="50000" t="-80000" r="50000" b="180000"/>
+          </a:path>
+        </a:gradFill>
+        <a:gradFill rotWithShape="1">
+          <a:gsLst>
+            <a:gs pos="0">
+              <a:schemeClr val="phClr">
+                <a:tint val="80000"/>
+                <a:satMod val="300000"/>
+              </a:schemeClr>
+            </a:gs>
+            <a:gs pos="100000">
+              <a:schemeClr val="phClr">
+                <a:shade val="30000"/>
+                <a:satMod val="200000"/>
+              </a:schemeClr>
+            </a:gs>
+          </a:gsLst>
+          <a:path path="circle">
+            <a:fillToRect l="50000" t="50000" r="50000" b="50000"/>
+          </a:path>
+        </a:gradFill>
+      </a:bgFillStyleLst>
+    </a:fmtScheme>
+  </a:themeElements>
+</a:theme>
+</file>
+
+<file path=ppt/theme/theme2.xml><?xml version="1.0" encoding="utf-8"?>
 <a:theme xmlns:a="http://schemas.openxmlformats.org/drawingml/2006/main" xmlns:r="http://schemas.openxmlformats.org/officeDocument/2006/relationships" name="Paradigm">
   <a:themeElements>
     <a:clrScheme name="Paradigm">
@@ -10705,283 +11235,4 @@
     </a:fmtScheme>
   </a:themeElements>
 </a:theme>
-</file>
-
-<file path=ppt/theme/theme2.xml><?xml version="1.0" encoding="utf-8"?>
-<a:theme xmlns:a="http://schemas.openxmlformats.org/drawingml/2006/main" xmlns:r="http://schemas.openxmlformats.org/officeDocument/2006/relationships">
-  <a:themeElements>
-    <a:clrScheme name="Default">
-      <a:dk1>
-        <a:srgbClr val="000000"/>
-      </a:dk1>
-      <a:lt1>
-        <a:srgbClr val="FFFFFF"/>
-      </a:lt1>
-      <a:dk2>
-        <a:srgbClr val="158158"/>
-      </a:dk2>
-      <a:lt2>
-        <a:srgbClr val="F3F3F3"/>
-      </a:lt2>
-      <a:accent1>
-        <a:srgbClr val="058DC7"/>
-      </a:accent1>
-      <a:accent2>
-        <a:srgbClr val="50B432"/>
-      </a:accent2>
-      <a:accent3>
-        <a:srgbClr val="ED561B"/>
-      </a:accent3>
-      <a:accent4>
-        <a:srgbClr val="EDEF00"/>
-      </a:accent4>
-      <a:accent5>
-        <a:srgbClr val="24CBE5"/>
-      </a:accent5>
-      <a:accent6>
-        <a:srgbClr val="64E572"/>
-      </a:accent6>
-      <a:hlink>
-        <a:srgbClr val="2200CC"/>
-      </a:hlink>
-      <a:folHlink>
-        <a:srgbClr val="551A8B"/>
-      </a:folHlink>
-    </a:clrScheme>
-    <a:fontScheme name="Office">
-      <a:majorFont>
-        <a:latin typeface="Arial"/>
-        <a:ea typeface=""/>
-        <a:cs typeface=""/>
-        <a:font script="Jpan" typeface="ＭＳ Ｐゴシック"/>
-        <a:font script="Hang" typeface="맑은 고딕"/>
-        <a:font script="Hans" typeface="宋体"/>
-        <a:font script="Hant" typeface="新細明體"/>
-        <a:font script="Arab" typeface="Times New Roman"/>
-        <a:font script="Hebr" typeface="Times New Roman"/>
-        <a:font script="Thai" typeface="Angsana New"/>
-        <a:font script="Ethi" typeface="Nyala"/>
-        <a:font script="Beng" typeface="Vrinda"/>
-        <a:font script="Gujr" typeface="Shruti"/>
-        <a:font script="Khmr" typeface="MoolBoran"/>
-        <a:font script="Knda" typeface="Tunga"/>
-        <a:font script="Guru" typeface="Raavi"/>
-        <a:font script="Cans" typeface="Euphemia"/>
-        <a:font script="Cher" typeface="Plantagenet Cherokee"/>
-        <a:font script="Yiii" typeface="Microsoft Yi Baiti"/>
-        <a:font script="Tibt" typeface="Microsoft Himalaya"/>
-        <a:font script="Thaa" typeface="MV Boli"/>
-        <a:font script="Deva" typeface="Mangal"/>
-        <a:font script="Telu" typeface="Gautami"/>
-        <a:font script="Taml" typeface="Latha"/>
-        <a:font script="Syrc" typeface="Estrangelo Edessa"/>
-        <a:font script="Orya" typeface="Kalinga"/>
-        <a:font script="Mlym" typeface="Kartika"/>
-        <a:font script="Laoo" typeface="DokChampa"/>
-        <a:font script="Sinh" typeface="Iskoola Pota"/>
-        <a:font script="Mong" typeface="Mongolian Baiti"/>
-        <a:font script="Viet" typeface="Times New Roman"/>
-        <a:font script="Uigh" typeface="Microsoft Uighur"/>
-        <a:font script="Geor" typeface="Sylfaen"/>
-      </a:majorFont>
-      <a:minorFont>
-        <a:latin typeface="Arial"/>
-        <a:ea typeface=""/>
-        <a:cs typeface=""/>
-        <a:font script="Jpan" typeface="ＭＳ Ｐゴシック"/>
-        <a:font script="Hang" typeface="맑은 고딕"/>
-        <a:font script="Hans" typeface="宋体"/>
-        <a:font script="Hant" typeface="新細明體"/>
-        <a:font script="Arab" typeface="Arial"/>
-        <a:font script="Hebr" typeface="Arial"/>
-        <a:font script="Thai" typeface="Cordia New"/>
-        <a:font script="Ethi" typeface="Nyala"/>
-        <a:font script="Beng" typeface="Vrinda"/>
-        <a:font script="Gujr" typeface="Shruti"/>
-        <a:font script="Khmr" typeface="DaunPenh"/>
-        <a:font script="Knda" typeface="Tunga"/>
-        <a:font script="Guru" typeface="Raavi"/>
-        <a:font script="Cans" typeface="Euphemia"/>
-        <a:font script="Cher" typeface="Plantagenet Cherokee"/>
-        <a:font script="Yiii" typeface="Microsoft Yi Baiti"/>
-        <a:font script="Tibt" typeface="Microsoft Himalaya"/>
-        <a:font script="Thaa" typeface="MV Boli"/>
-        <a:font script="Deva" typeface="Mangal"/>
-        <a:font script="Telu" typeface="Gautami"/>
-        <a:font script="Taml" typeface="Latha"/>
-        <a:font script="Syrc" typeface="Estrangelo Edessa"/>
-        <a:font script="Orya" typeface="Kalinga"/>
-        <a:font script="Mlym" typeface="Kartika"/>
-        <a:font script="Laoo" typeface="DokChampa"/>
-        <a:font script="Sinh" typeface="Iskoola Pota"/>
-        <a:font script="Mong" typeface="Mongolian Baiti"/>
-        <a:font script="Viet" typeface="Arial"/>
-        <a:font script="Uigh" typeface="Microsoft Uighur"/>
-        <a:font script="Geor" typeface="Sylfaen"/>
-      </a:minorFont>
-    </a:fontScheme>
-    <a:fmtScheme name="Office">
-      <a:fillStyleLst>
-        <a:solidFill>
-          <a:schemeClr val="phClr"/>
-        </a:solidFill>
-        <a:gradFill rotWithShape="1">
-          <a:gsLst>
-            <a:gs pos="0">
-              <a:schemeClr val="phClr">
-                <a:tint val="50000"/>
-                <a:satMod val="300000"/>
-              </a:schemeClr>
-            </a:gs>
-            <a:gs pos="35000">
-              <a:schemeClr val="phClr">
-                <a:tint val="37000"/>
-                <a:satMod val="300000"/>
-              </a:schemeClr>
-            </a:gs>
-            <a:gs pos="100000">
-              <a:schemeClr val="phClr">
-                <a:tint val="15000"/>
-                <a:satMod val="350000"/>
-              </a:schemeClr>
-            </a:gs>
-          </a:gsLst>
-          <a:lin ang="16200000" scaled="1"/>
-        </a:gradFill>
-        <a:gradFill rotWithShape="1">
-          <a:gsLst>
-            <a:gs pos="0">
-              <a:schemeClr val="phClr">
-                <a:tint val="100000"/>
-                <a:shade val="100000"/>
-                <a:satMod val="130000"/>
-              </a:schemeClr>
-            </a:gs>
-            <a:gs pos="100000">
-              <a:schemeClr val="phClr">
-                <a:tint val="50000"/>
-                <a:shade val="100000"/>
-                <a:satMod val="350000"/>
-              </a:schemeClr>
-            </a:gs>
-          </a:gsLst>
-          <a:lin ang="16200000" scaled="0"/>
-        </a:gradFill>
-      </a:fillStyleLst>
-      <a:lnStyleLst>
-        <a:ln w="9525" cap="flat" cmpd="sng" algn="ctr">
-          <a:solidFill>
-            <a:schemeClr val="phClr">
-              <a:shade val="95000"/>
-              <a:satMod val="105000"/>
-            </a:schemeClr>
-          </a:solidFill>
-          <a:prstDash val="solid"/>
-        </a:ln>
-        <a:ln w="25400" cap="flat" cmpd="sng" algn="ctr">
-          <a:solidFill>
-            <a:schemeClr val="phClr"/>
-          </a:solidFill>
-          <a:prstDash val="solid"/>
-        </a:ln>
-        <a:ln w="38100" cap="flat" cmpd="sng" algn="ctr">
-          <a:solidFill>
-            <a:schemeClr val="phClr"/>
-          </a:solidFill>
-          <a:prstDash val="solid"/>
-        </a:ln>
-      </a:lnStyleLst>
-      <a:effectStyleLst>
-        <a:effectStyle>
-          <a:effectLst>
-            <a:outerShdw blurRad="40000" dist="20000" dir="5400000" rotWithShape="0">
-              <a:srgbClr val="000000">
-                <a:alpha val="38000"/>
-              </a:srgbClr>
-            </a:outerShdw>
-          </a:effectLst>
-        </a:effectStyle>
-        <a:effectStyle>
-          <a:effectLst>
-            <a:outerShdw blurRad="40000" dist="23000" dir="5400000" rotWithShape="0">
-              <a:srgbClr val="000000">
-                <a:alpha val="35000"/>
-              </a:srgbClr>
-            </a:outerShdw>
-          </a:effectLst>
-        </a:effectStyle>
-        <a:effectStyle>
-          <a:effectLst>
-            <a:outerShdw blurRad="40000" dist="23000" dir="5400000" rotWithShape="0">
-              <a:srgbClr val="000000">
-                <a:alpha val="35000"/>
-              </a:srgbClr>
-            </a:outerShdw>
-          </a:effectLst>
-          <a:scene3d>
-            <a:camera prst="orthographicFront">
-              <a:rot lat="0" lon="0" rev="0"/>
-            </a:camera>
-            <a:lightRig rig="threePt" dir="t">
-              <a:rot lat="0" lon="0" rev="1200000"/>
-            </a:lightRig>
-          </a:scene3d>
-          <a:sp3d>
-            <a:bevelT w="63500" h="25400"/>
-          </a:sp3d>
-        </a:effectStyle>
-      </a:effectStyleLst>
-      <a:bgFillStyleLst>
-        <a:solidFill>
-          <a:schemeClr val="phClr"/>
-        </a:solidFill>
-        <a:gradFill rotWithShape="1">
-          <a:gsLst>
-            <a:gs pos="0">
-              <a:schemeClr val="phClr">
-                <a:tint val="40000"/>
-                <a:satMod val="350000"/>
-              </a:schemeClr>
-            </a:gs>
-            <a:gs pos="40000">
-              <a:schemeClr val="phClr">
-                <a:tint val="45000"/>
-                <a:shade val="99000"/>
-                <a:satMod val="350000"/>
-              </a:schemeClr>
-            </a:gs>
-            <a:gs pos="100000">
-              <a:schemeClr val="phClr">
-                <a:shade val="20000"/>
-                <a:satMod val="255000"/>
-              </a:schemeClr>
-            </a:gs>
-          </a:gsLst>
-          <a:path path="circle">
-            <a:fillToRect l="50000" t="-80000" r="50000" b="180000"/>
-          </a:path>
-        </a:gradFill>
-        <a:gradFill rotWithShape="1">
-          <a:gsLst>
-            <a:gs pos="0">
-              <a:schemeClr val="phClr">
-                <a:tint val="80000"/>
-                <a:satMod val="300000"/>
-              </a:schemeClr>
-            </a:gs>
-            <a:gs pos="100000">
-              <a:schemeClr val="phClr">
-                <a:shade val="30000"/>
-                <a:satMod val="200000"/>
-              </a:schemeClr>
-            </a:gs>
-          </a:gsLst>
-          <a:path path="circle">
-            <a:fillToRect l="50000" t="50000" r="50000" b="50000"/>
-          </a:path>
-        </a:gradFill>
-      </a:bgFillStyleLst>
-    </a:fmtScheme>
-  </a:themeElements>
-</a:theme>
 </file>
--- a/Intermediate/CSharpIntermediate.pptx
+++ b/Intermediate/CSharpIntermediate.pptx
@@ -20,24 +20,23 @@
     <p:sldId id="265" r:id="rId15"/>
     <p:sldId id="266" r:id="rId16"/>
     <p:sldId id="267" r:id="rId17"/>
-    <p:sldId id="268" r:id="rId18"/>
   </p:sldIdLst>
   <p:sldSz cy="5143500" cx="9144000"/>
   <p:notesSz cx="6858000" cy="9144000"/>
   <p:embeddedFontLst>
     <p:embeddedFont>
       <p:font typeface="Roboto"/>
-      <p:regular r:id="rId19"/>
-      <p:bold r:id="rId20"/>
-      <p:italic r:id="rId21"/>
-      <p:boldItalic r:id="rId22"/>
+      <p:regular r:id="rId18"/>
+      <p:bold r:id="rId19"/>
+      <p:italic r:id="rId20"/>
+      <p:boldItalic r:id="rId21"/>
     </p:embeddedFont>
     <p:embeddedFont>
       <p:font typeface="Merriweather"/>
-      <p:regular r:id="rId23"/>
-      <p:bold r:id="rId24"/>
-      <p:italic r:id="rId25"/>
-      <p:boldItalic r:id="rId26"/>
+      <p:regular r:id="rId22"/>
+      <p:bold r:id="rId23"/>
+      <p:italic r:id="rId24"/>
+      <p:boldItalic r:id="rId25"/>
     </p:embeddedFont>
   </p:embeddedFontLst>
   <p:defaultTextStyle>
@@ -830,7 +829,7 @@
       </p:grpSpPr>
       <p:sp>
         <p:nvSpPr>
-          <p:cNvPr id="122" name="Google Shape;122;g5a841be5e8_0_41:notes"/>
+          <p:cNvPr id="122" name="Google Shape;122;g5a841be5e8_0_46:notes"/>
           <p:cNvSpPr/>
           <p:nvPr>
             <p:ph idx="2" type="sldImg"/>
@@ -865,7 +864,7 @@
       </p:sp>
       <p:sp>
         <p:nvSpPr>
-          <p:cNvPr id="123" name="Google Shape;123;g5a841be5e8_0_41:notes"/>
+          <p:cNvPr id="123" name="Google Shape;123;g5a841be5e8_0_46:notes"/>
           <p:cNvSpPr txBox="1"/>
           <p:nvPr>
             <p:ph idx="1" type="body"/>
@@ -915,7 +914,7 @@
   <p:cSld>
     <p:spTree>
       <p:nvGrpSpPr>
-        <p:cNvPr id="127" name="Shape 127"/>
+        <p:cNvPr id="130" name="Shape 130"/>
         <p:cNvGrpSpPr/>
         <p:nvPr/>
       </p:nvGrpSpPr>
@@ -929,7 +928,7 @@
       </p:grpSpPr>
       <p:sp>
         <p:nvSpPr>
-          <p:cNvPr id="128" name="Google Shape;128;g5a841be5e8_0_46:notes"/>
+          <p:cNvPr id="131" name="Google Shape;131;g5a9709b92f_0_21:notes"/>
           <p:cNvSpPr/>
           <p:nvPr>
             <p:ph idx="2" type="sldImg"/>
@@ -964,7 +963,7 @@
       </p:sp>
       <p:sp>
         <p:nvSpPr>
-          <p:cNvPr id="129" name="Google Shape;129;g5a841be5e8_0_46:notes"/>
+          <p:cNvPr id="132" name="Google Shape;132;g5a9709b92f_0_21:notes"/>
           <p:cNvSpPr txBox="1"/>
           <p:nvPr>
             <p:ph idx="1" type="body"/>
@@ -1028,7 +1027,7 @@
       </p:grpSpPr>
       <p:sp>
         <p:nvSpPr>
-          <p:cNvPr id="137" name="Google Shape;137;g5a9709b92f_0_21:notes"/>
+          <p:cNvPr id="137" name="Google Shape;137;g5a9709b92f_0_27:notes"/>
           <p:cNvSpPr/>
           <p:nvPr>
             <p:ph idx="2" type="sldImg"/>
@@ -1063,106 +1062,7 @@
       </p:sp>
       <p:sp>
         <p:nvSpPr>
-          <p:cNvPr id="138" name="Google Shape;138;g5a9709b92f_0_21:notes"/>
-          <p:cNvSpPr txBox="1"/>
-          <p:nvPr>
-            <p:ph idx="1" type="body"/>
-          </p:nvPr>
-        </p:nvSpPr>
-        <p:spPr>
-          <a:xfrm>
-            <a:off x="685800" y="4343400"/>
-            <a:ext cx="5486400" cy="4114800"/>
-          </a:xfrm>
-          <a:prstGeom prst="rect">
-            <a:avLst/>
-          </a:prstGeom>
-        </p:spPr>
-        <p:txBody>
-          <a:bodyPr anchorCtr="0" anchor="t" bIns="91425" lIns="91425" spcFirstLastPara="1" rIns="91425" wrap="square" tIns="91425">
-            <a:noAutofit/>
-          </a:bodyPr>
-          <a:lstStyle/>
-          <a:p>
-            <a:pPr indent="0" lvl="0" marL="0" rtl="0" algn="l">
-              <a:spcBef>
-                <a:spcPts val="0"/>
-              </a:spcBef>
-              <a:spcAft>
-                <a:spcPts val="0"/>
-              </a:spcAft>
-              <a:buNone/>
-            </a:pPr>
-            <a:r>
-              <a:t/>
-            </a:r>
-            <a:endParaRPr/>
-          </a:p>
-        </p:txBody>
-      </p:sp>
-    </p:spTree>
-  </p:cSld>
-  <p:clrMapOvr>
-    <a:masterClrMapping/>
-  </p:clrMapOvr>
-</p:notes>
-</file>
-
-<file path=ppt/notesSlides/notesSlide13.xml><?xml version="1.0" encoding="utf-8"?>
-<p:notes xmlns:a="http://schemas.openxmlformats.org/drawingml/2006/main" xmlns:r="http://schemas.openxmlformats.org/officeDocument/2006/relationships" xmlns:mc="http://schemas.openxmlformats.org/markup-compatibility/2006" xmlns:mv="urn:schemas-microsoft-com:mac:vml" xmlns:p="http://schemas.openxmlformats.org/presentationml/2006/main" xmlns:c="http://schemas.openxmlformats.org/drawingml/2006/chart" xmlns:dgm="http://schemas.openxmlformats.org/drawingml/2006/diagram" xmlns:o="urn:schemas-microsoft-com:office:office" xmlns:v="urn:schemas-microsoft-com:vml" xmlns:pvml="urn:schemas-microsoft-com:office:powerpoint" xmlns:com="http://schemas.openxmlformats.org/drawingml/2006/compatibility" xmlns:p14="http://schemas.microsoft.com/office/powerpoint/2010/main" xmlns:p15="http://schemas.microsoft.com/office/powerpoint/2012/main" showMasterPhAnim="0" showMasterSp="0">
-  <p:cSld>
-    <p:spTree>
-      <p:nvGrpSpPr>
-        <p:cNvPr id="142" name="Shape 142"/>
-        <p:cNvGrpSpPr/>
-        <p:nvPr/>
-      </p:nvGrpSpPr>
-      <p:grpSpPr>
-        <a:xfrm>
-          <a:off x="0" y="0"/>
-          <a:ext cx="0" cy="0"/>
-          <a:chOff x="0" y="0"/>
-          <a:chExt cx="0" cy="0"/>
-        </a:xfrm>
-      </p:grpSpPr>
-      <p:sp>
-        <p:nvSpPr>
-          <p:cNvPr id="143" name="Google Shape;143;g5a9709b92f_0_27:notes"/>
-          <p:cNvSpPr/>
-          <p:nvPr>
-            <p:ph idx="2" type="sldImg"/>
-          </p:nvPr>
-        </p:nvSpPr>
-        <p:spPr>
-          <a:xfrm>
-            <a:off x="381300" y="685800"/>
-            <a:ext cx="6096000" cy="3429000"/>
-          </a:xfrm>
-          <a:custGeom>
-            <a:rect b="b" l="l" r="r" t="t"/>
-            <a:pathLst>
-              <a:path extrusionOk="0" h="120000" w="120000">
-                <a:moveTo>
-                  <a:pt x="0" y="0"/>
-                </a:moveTo>
-                <a:lnTo>
-                  <a:pt x="120000" y="0"/>
-                </a:lnTo>
-                <a:lnTo>
-                  <a:pt x="120000" y="120000"/>
-                </a:lnTo>
-                <a:lnTo>
-                  <a:pt x="0" y="120000"/>
-                </a:lnTo>
-                <a:close/>
-              </a:path>
-            </a:pathLst>
-          </a:custGeom>
-        </p:spPr>
-      </p:sp>
-      <p:sp>
-        <p:nvSpPr>
-          <p:cNvPr id="144" name="Google Shape;144;g5a9709b92f_0_27:notes"/>
+          <p:cNvPr id="138" name="Google Shape;138;g5a9709b92f_0_27:notes"/>
           <p:cNvSpPr txBox="1"/>
           <p:nvPr>
             <p:ph idx="1" type="body"/>
@@ -1523,7 +1423,7 @@
       </p:grpSpPr>
       <p:sp>
         <p:nvSpPr>
-          <p:cNvPr id="86" name="Google Shape;86;g5a841be5e8_0_5:notes"/>
+          <p:cNvPr id="86" name="Google Shape;86;g5a841be5e8_0_15:notes"/>
           <p:cNvSpPr/>
           <p:nvPr>
             <p:ph idx="2" type="sldImg"/>
@@ -1558,7 +1458,7 @@
       </p:sp>
       <p:sp>
         <p:nvSpPr>
-          <p:cNvPr id="87" name="Google Shape;87;g5a841be5e8_0_5:notes"/>
+          <p:cNvPr id="87" name="Google Shape;87;g5a841be5e8_0_15:notes"/>
           <p:cNvSpPr txBox="1"/>
           <p:nvPr>
             <p:ph idx="1" type="body"/>
@@ -1622,7 +1522,7 @@
       </p:grpSpPr>
       <p:sp>
         <p:nvSpPr>
-          <p:cNvPr id="92" name="Google Shape;92;g5a841be5e8_0_15:notes"/>
+          <p:cNvPr id="92" name="Google Shape;92;g5a841be5e8_0_25:notes"/>
           <p:cNvSpPr/>
           <p:nvPr>
             <p:ph idx="2" type="sldImg"/>
@@ -1657,7 +1557,7 @@
       </p:sp>
       <p:sp>
         <p:nvSpPr>
-          <p:cNvPr id="93" name="Google Shape;93;g5a841be5e8_0_15:notes"/>
+          <p:cNvPr id="93" name="Google Shape;93;g5a841be5e8_0_25:notes"/>
           <p:cNvSpPr txBox="1"/>
           <p:nvPr>
             <p:ph idx="1" type="body"/>
@@ -1721,7 +1621,7 @@
       </p:grpSpPr>
       <p:sp>
         <p:nvSpPr>
-          <p:cNvPr id="98" name="Google Shape;98;g5a841be5e8_0_25:notes"/>
+          <p:cNvPr id="98" name="Google Shape;98;g5a841be5e8_0_31:notes"/>
           <p:cNvSpPr/>
           <p:nvPr>
             <p:ph idx="2" type="sldImg"/>
@@ -1756,7 +1656,7 @@
       </p:sp>
       <p:sp>
         <p:nvSpPr>
-          <p:cNvPr id="99" name="Google Shape;99;g5a841be5e8_0_25:notes"/>
+          <p:cNvPr id="99" name="Google Shape;99;g5a841be5e8_0_31:notes"/>
           <p:cNvSpPr txBox="1"/>
           <p:nvPr>
             <p:ph idx="1" type="body"/>
@@ -1806,7 +1706,7 @@
   <p:cSld>
     <p:spTree>
       <p:nvGrpSpPr>
-        <p:cNvPr id="103" name="Shape 103"/>
+        <p:cNvPr id="106" name="Shape 106"/>
         <p:cNvGrpSpPr/>
         <p:nvPr/>
       </p:nvGrpSpPr>
@@ -1820,7 +1720,7 @@
       </p:grpSpPr>
       <p:sp>
         <p:nvSpPr>
-          <p:cNvPr id="104" name="Google Shape;104;g5a841be5e8_0_31:notes"/>
+          <p:cNvPr id="107" name="Google Shape;107;g5a9709b92f_0_10:notes"/>
           <p:cNvSpPr/>
           <p:nvPr>
             <p:ph idx="2" type="sldImg"/>
@@ -1855,7 +1755,7 @@
       </p:sp>
       <p:sp>
         <p:nvSpPr>
-          <p:cNvPr id="105" name="Google Shape;105;g5a841be5e8_0_31:notes"/>
+          <p:cNvPr id="108" name="Google Shape;108;g5a9709b92f_0_10:notes"/>
           <p:cNvSpPr txBox="1"/>
           <p:nvPr>
             <p:ph idx="1" type="body"/>
@@ -1905,7 +1805,7 @@
   <p:cSld>
     <p:spTree>
       <p:nvGrpSpPr>
-        <p:cNvPr id="112" name="Shape 112"/>
+        <p:cNvPr id="115" name="Shape 115"/>
         <p:cNvGrpSpPr/>
         <p:nvPr/>
       </p:nvGrpSpPr>
@@ -1919,7 +1819,7 @@
       </p:grpSpPr>
       <p:sp>
         <p:nvSpPr>
-          <p:cNvPr id="113" name="Google Shape;113;g5a9709b92f_0_10:notes"/>
+          <p:cNvPr id="116" name="Google Shape;116;g5a841be5e8_0_41:notes"/>
           <p:cNvSpPr/>
           <p:nvPr>
             <p:ph idx="2" type="sldImg"/>
@@ -1954,7 +1854,7 @@
       </p:sp>
       <p:sp>
         <p:nvSpPr>
-          <p:cNvPr id="114" name="Google Shape;114;g5a9709b92f_0_10:notes"/>
+          <p:cNvPr id="117" name="Google Shape;117;g5a841be5e8_0_41:notes"/>
           <p:cNvSpPr txBox="1"/>
           <p:nvPr>
             <p:ph idx="1" type="body"/>
@@ -8110,190 +8010,6 @@
             </a:pPr>
             <a:r>
               <a:rPr lang="en"/>
-              <a:t>Interface</a:t>
-            </a:r>
-            <a:endParaRPr/>
-          </a:p>
-        </p:txBody>
-      </p:sp>
-      <p:sp>
-        <p:nvSpPr>
-          <p:cNvPr id="126" name="Google Shape;126;p22"/>
-          <p:cNvSpPr txBox="1"/>
-          <p:nvPr/>
-        </p:nvSpPr>
-        <p:spPr>
-          <a:xfrm>
-            <a:off x="648350" y="1823150"/>
-            <a:ext cx="7292700" cy="2922000"/>
-          </a:xfrm>
-          <a:prstGeom prst="rect">
-            <a:avLst/>
-          </a:prstGeom>
-          <a:noFill/>
-          <a:ln>
-            <a:noFill/>
-          </a:ln>
-        </p:spPr>
-        <p:txBody>
-          <a:bodyPr anchorCtr="0" anchor="t" bIns="91425" lIns="91425" spcFirstLastPara="1" rIns="91425" wrap="square" tIns="91425">
-            <a:noAutofit/>
-          </a:bodyPr>
-          <a:lstStyle/>
-          <a:p>
-            <a:pPr indent="-381000" lvl="0" marL="457200" rtl="0" algn="l">
-              <a:lnSpc>
-                <a:spcPct val="150000"/>
-              </a:lnSpc>
-              <a:spcBef>
-                <a:spcPts val="0"/>
-              </a:spcBef>
-              <a:spcAft>
-                <a:spcPts val="0"/>
-              </a:spcAft>
-              <a:buSzPts val="2400"/>
-              <a:buFont typeface="Roboto"/>
-              <a:buChar char="●"/>
-            </a:pPr>
-            <a:r>
-              <a:rPr lang="en" sz="2400">
-                <a:latin typeface="Roboto"/>
-                <a:ea typeface="Roboto"/>
-                <a:cs typeface="Roboto"/>
-                <a:sym typeface="Roboto"/>
-              </a:rPr>
-              <a:t>Defines a set of functions that all derived classes need to implement</a:t>
-            </a:r>
-            <a:endParaRPr sz="2400">
-              <a:latin typeface="Roboto"/>
-              <a:ea typeface="Roboto"/>
-              <a:cs typeface="Roboto"/>
-              <a:sym typeface="Roboto"/>
-            </a:endParaRPr>
-          </a:p>
-          <a:p>
-            <a:pPr indent="-381000" lvl="0" marL="457200" rtl="0" algn="l">
-              <a:lnSpc>
-                <a:spcPct val="150000"/>
-              </a:lnSpc>
-              <a:spcBef>
-                <a:spcPts val="0"/>
-              </a:spcBef>
-              <a:spcAft>
-                <a:spcPts val="0"/>
-              </a:spcAft>
-              <a:buSzPts val="2400"/>
-              <a:buFont typeface="Roboto"/>
-              <a:buChar char="●"/>
-            </a:pPr>
-            <a:r>
-              <a:rPr lang="en" sz="2400">
-                <a:latin typeface="Roboto"/>
-                <a:ea typeface="Roboto"/>
-                <a:cs typeface="Roboto"/>
-                <a:sym typeface="Roboto"/>
-              </a:rPr>
-              <a:t>Serves as a “contract” for child classes</a:t>
-            </a:r>
-            <a:endParaRPr sz="2400">
-              <a:latin typeface="Roboto"/>
-              <a:ea typeface="Roboto"/>
-              <a:cs typeface="Roboto"/>
-              <a:sym typeface="Roboto"/>
-            </a:endParaRPr>
-          </a:p>
-          <a:p>
-            <a:pPr indent="-381000" lvl="0" marL="457200" rtl="0" algn="l">
-              <a:lnSpc>
-                <a:spcPct val="150000"/>
-              </a:lnSpc>
-              <a:spcBef>
-                <a:spcPts val="0"/>
-              </a:spcBef>
-              <a:spcAft>
-                <a:spcPts val="0"/>
-              </a:spcAft>
-              <a:buSzPts val="2400"/>
-              <a:buFont typeface="Roboto"/>
-              <a:buChar char="●"/>
-            </a:pPr>
-            <a:r>
-              <a:rPr lang="en" sz="2400">
-                <a:latin typeface="Roboto"/>
-                <a:ea typeface="Roboto"/>
-                <a:cs typeface="Roboto"/>
-                <a:sym typeface="Roboto"/>
-              </a:rPr>
-              <a:t>As opposed to Abstract classes, can’t contain any implementation</a:t>
-            </a:r>
-            <a:endParaRPr sz="2400">
-              <a:latin typeface="Roboto"/>
-              <a:ea typeface="Roboto"/>
-              <a:cs typeface="Roboto"/>
-              <a:sym typeface="Roboto"/>
-            </a:endParaRPr>
-          </a:p>
-        </p:txBody>
-      </p:sp>
-    </p:spTree>
-  </p:cSld>
-  <p:clrMapOvr>
-    <a:masterClrMapping/>
-  </p:clrMapOvr>
-</p:sld>
-</file>
-
-<file path=ppt/slides/slide11.xml><?xml version="1.0" encoding="utf-8"?>
-<p:sld xmlns:a="http://schemas.openxmlformats.org/drawingml/2006/main" xmlns:r="http://schemas.openxmlformats.org/officeDocument/2006/relationships" xmlns:mc="http://schemas.openxmlformats.org/markup-compatibility/2006" xmlns:mv="urn:schemas-microsoft-com:mac:vml" xmlns:p="http://schemas.openxmlformats.org/presentationml/2006/main" xmlns:c="http://schemas.openxmlformats.org/drawingml/2006/chart" xmlns:dgm="http://schemas.openxmlformats.org/drawingml/2006/diagram" xmlns:o="urn:schemas-microsoft-com:office:office" xmlns:v="urn:schemas-microsoft-com:vml" xmlns:pvml="urn:schemas-microsoft-com:office:powerpoint" xmlns:com="http://schemas.openxmlformats.org/drawingml/2006/compatibility" xmlns:p14="http://schemas.microsoft.com/office/powerpoint/2010/main" xmlns:p15="http://schemas.microsoft.com/office/powerpoint/2012/main">
-  <p:cSld>
-    <p:spTree>
-      <p:nvGrpSpPr>
-        <p:cNvPr id="130" name="Shape 130"/>
-        <p:cNvGrpSpPr/>
-        <p:nvPr/>
-      </p:nvGrpSpPr>
-      <p:grpSpPr>
-        <a:xfrm>
-          <a:off x="0" y="0"/>
-          <a:ext cx="0" cy="0"/>
-          <a:chOff x="0" y="0"/>
-          <a:chExt cx="0" cy="0"/>
-        </a:xfrm>
-      </p:grpSpPr>
-      <p:sp>
-        <p:nvSpPr>
-          <p:cNvPr id="131" name="Google Shape;131;p23"/>
-          <p:cNvSpPr txBox="1"/>
-          <p:nvPr>
-            <p:ph type="title"/>
-          </p:nvPr>
-        </p:nvSpPr>
-        <p:spPr>
-          <a:xfrm>
-            <a:off x="311725" y="500925"/>
-            <a:ext cx="8520600" cy="623700"/>
-          </a:xfrm>
-          <a:prstGeom prst="rect">
-            <a:avLst/>
-          </a:prstGeom>
-        </p:spPr>
-        <p:txBody>
-          <a:bodyPr anchorCtr="0" anchor="t" bIns="91425" lIns="91425" spcFirstLastPara="1" rIns="91425" wrap="square" tIns="91425">
-            <a:noAutofit/>
-          </a:bodyPr>
-          <a:lstStyle/>
-          <a:p>
-            <a:pPr indent="0" lvl="0" marL="0" rtl="0" algn="l">
-              <a:spcBef>
-                <a:spcPts val="0"/>
-              </a:spcBef>
-              <a:spcAft>
-                <a:spcPts val="0"/>
-              </a:spcAft>
-              <a:buNone/>
-            </a:pPr>
-            <a:r>
-              <a:rPr lang="en"/>
               <a:t>Interface - Example</a:t>
             </a:r>
             <a:endParaRPr/>
@@ -8302,7 +8018,7 @@
       </p:sp>
       <p:pic>
         <p:nvPicPr>
-          <p:cNvPr id="132" name="Google Shape;132;p23"/>
+          <p:cNvPr id="126" name="Google Shape;126;p22"/>
           <p:cNvPicPr preferRelativeResize="0"/>
           <p:nvPr/>
         </p:nvPicPr>
@@ -8330,7 +8046,7 @@
       </p:pic>
       <p:sp>
         <p:nvSpPr>
-          <p:cNvPr id="133" name="Google Shape;133;p23"/>
+          <p:cNvPr id="127" name="Google Shape;127;p22"/>
           <p:cNvSpPr txBox="1"/>
           <p:nvPr/>
         </p:nvSpPr>
@@ -8417,7 +8133,7 @@
       </p:sp>
       <p:sp>
         <p:nvSpPr>
-          <p:cNvPr id="134" name="Google Shape;134;p23"/>
+          <p:cNvPr id="128" name="Google Shape;128;p22"/>
           <p:cNvSpPr/>
           <p:nvPr/>
         </p:nvSpPr>
@@ -8468,7 +8184,7 @@
       </p:sp>
       <p:sp>
         <p:nvSpPr>
-          <p:cNvPr id="135" name="Google Shape;135;p23"/>
+          <p:cNvPr id="129" name="Google Shape;129;p22"/>
           <p:cNvSpPr/>
           <p:nvPr/>
         </p:nvSpPr>
@@ -8517,6 +8233,99 @@
           </a:p>
         </p:txBody>
       </p:sp>
+    </p:spTree>
+  </p:cSld>
+  <p:clrMapOvr>
+    <a:masterClrMapping/>
+  </p:clrMapOvr>
+</p:sld>
+</file>
+
+<file path=ppt/slides/slide11.xml><?xml version="1.0" encoding="utf-8"?>
+<p:sld xmlns:a="http://schemas.openxmlformats.org/drawingml/2006/main" xmlns:r="http://schemas.openxmlformats.org/officeDocument/2006/relationships" xmlns:mc="http://schemas.openxmlformats.org/markup-compatibility/2006" xmlns:mv="urn:schemas-microsoft-com:mac:vml" xmlns:p="http://schemas.openxmlformats.org/presentationml/2006/main" xmlns:c="http://schemas.openxmlformats.org/drawingml/2006/chart" xmlns:dgm="http://schemas.openxmlformats.org/drawingml/2006/diagram" xmlns:o="urn:schemas-microsoft-com:office:office" xmlns:v="urn:schemas-microsoft-com:vml" xmlns:pvml="urn:schemas-microsoft-com:office:powerpoint" xmlns:com="http://schemas.openxmlformats.org/drawingml/2006/compatibility" xmlns:p14="http://schemas.microsoft.com/office/powerpoint/2010/main" xmlns:p15="http://schemas.microsoft.com/office/powerpoint/2012/main">
+  <p:cSld>
+    <p:spTree>
+      <p:nvGrpSpPr>
+        <p:cNvPr id="133" name="Shape 133"/>
+        <p:cNvGrpSpPr/>
+        <p:nvPr/>
+      </p:nvGrpSpPr>
+      <p:grpSpPr>
+        <a:xfrm>
+          <a:off x="0" y="0"/>
+          <a:ext cx="0" cy="0"/>
+          <a:chOff x="0" y="0"/>
+          <a:chExt cx="0" cy="0"/>
+        </a:xfrm>
+      </p:grpSpPr>
+      <p:sp>
+        <p:nvSpPr>
+          <p:cNvPr id="134" name="Google Shape;134;p23"/>
+          <p:cNvSpPr txBox="1"/>
+          <p:nvPr>
+            <p:ph type="title"/>
+          </p:nvPr>
+        </p:nvSpPr>
+        <p:spPr>
+          <a:xfrm>
+            <a:off x="311725" y="500925"/>
+            <a:ext cx="8520600" cy="623700"/>
+          </a:xfrm>
+          <a:prstGeom prst="rect">
+            <a:avLst/>
+          </a:prstGeom>
+        </p:spPr>
+        <p:txBody>
+          <a:bodyPr anchorCtr="0" anchor="t" bIns="91425" lIns="91425" spcFirstLastPara="1" rIns="91425" wrap="square" tIns="91425">
+            <a:noAutofit/>
+          </a:bodyPr>
+          <a:lstStyle/>
+          <a:p>
+            <a:pPr indent="0" lvl="0" marL="0" rtl="0" algn="l">
+              <a:spcBef>
+                <a:spcPts val="0"/>
+              </a:spcBef>
+              <a:spcAft>
+                <a:spcPts val="0"/>
+              </a:spcAft>
+              <a:buNone/>
+            </a:pPr>
+            <a:r>
+              <a:rPr lang="en"/>
+              <a:t>Interface - Example</a:t>
+            </a:r>
+            <a:endParaRPr/>
+          </a:p>
+        </p:txBody>
+      </p:sp>
+      <p:pic>
+        <p:nvPicPr>
+          <p:cNvPr id="135" name="Google Shape;135;p23"/>
+          <p:cNvPicPr preferRelativeResize="0"/>
+          <p:nvPr/>
+        </p:nvPicPr>
+        <p:blipFill>
+          <a:blip r:embed="rId3">
+            <a:alphaModFix/>
+          </a:blip>
+          <a:stretch>
+            <a:fillRect/>
+          </a:stretch>
+        </p:blipFill>
+        <p:spPr>
+          <a:xfrm>
+            <a:off x="223700" y="1338125"/>
+            <a:ext cx="4836798" cy="3805374"/>
+          </a:xfrm>
+          <a:prstGeom prst="rect">
+            <a:avLst/>
+          </a:prstGeom>
+          <a:noFill/>
+          <a:ln>
+            <a:noFill/>
+          </a:ln>
+        </p:spPr>
+      </p:pic>
     </p:spTree>
   </p:cSld>
   <p:clrMapOvr>
@@ -8576,99 +8385,6 @@
             </a:pPr>
             <a:r>
               <a:rPr lang="en"/>
-              <a:t>Interface - Example</a:t>
-            </a:r>
-            <a:endParaRPr/>
-          </a:p>
-        </p:txBody>
-      </p:sp>
-      <p:pic>
-        <p:nvPicPr>
-          <p:cNvPr id="141" name="Google Shape;141;p24"/>
-          <p:cNvPicPr preferRelativeResize="0"/>
-          <p:nvPr/>
-        </p:nvPicPr>
-        <p:blipFill>
-          <a:blip r:embed="rId3">
-            <a:alphaModFix/>
-          </a:blip>
-          <a:stretch>
-            <a:fillRect/>
-          </a:stretch>
-        </p:blipFill>
-        <p:spPr>
-          <a:xfrm>
-            <a:off x="152400" y="1277025"/>
-            <a:ext cx="4419599" cy="3853662"/>
-          </a:xfrm>
-          <a:prstGeom prst="rect">
-            <a:avLst/>
-          </a:prstGeom>
-          <a:noFill/>
-          <a:ln>
-            <a:noFill/>
-          </a:ln>
-        </p:spPr>
-      </p:pic>
-    </p:spTree>
-  </p:cSld>
-  <p:clrMapOvr>
-    <a:masterClrMapping/>
-  </p:clrMapOvr>
-</p:sld>
-</file>
-
-<file path=ppt/slides/slide13.xml><?xml version="1.0" encoding="utf-8"?>
-<p:sld xmlns:a="http://schemas.openxmlformats.org/drawingml/2006/main" xmlns:r="http://schemas.openxmlformats.org/officeDocument/2006/relationships" xmlns:mc="http://schemas.openxmlformats.org/markup-compatibility/2006" xmlns:mv="urn:schemas-microsoft-com:mac:vml" xmlns:p="http://schemas.openxmlformats.org/presentationml/2006/main" xmlns:c="http://schemas.openxmlformats.org/drawingml/2006/chart" xmlns:dgm="http://schemas.openxmlformats.org/drawingml/2006/diagram" xmlns:o="urn:schemas-microsoft-com:office:office" xmlns:v="urn:schemas-microsoft-com:vml" xmlns:pvml="urn:schemas-microsoft-com:office:powerpoint" xmlns:com="http://schemas.openxmlformats.org/drawingml/2006/compatibility" xmlns:p14="http://schemas.microsoft.com/office/powerpoint/2010/main" xmlns:p15="http://schemas.microsoft.com/office/powerpoint/2012/main">
-  <p:cSld>
-    <p:spTree>
-      <p:nvGrpSpPr>
-        <p:cNvPr id="145" name="Shape 145"/>
-        <p:cNvGrpSpPr/>
-        <p:nvPr/>
-      </p:nvGrpSpPr>
-      <p:grpSpPr>
-        <a:xfrm>
-          <a:off x="0" y="0"/>
-          <a:ext cx="0" cy="0"/>
-          <a:chOff x="0" y="0"/>
-          <a:chExt cx="0" cy="0"/>
-        </a:xfrm>
-      </p:grpSpPr>
-      <p:sp>
-        <p:nvSpPr>
-          <p:cNvPr id="146" name="Google Shape;146;p25"/>
-          <p:cNvSpPr txBox="1"/>
-          <p:nvPr>
-            <p:ph type="title"/>
-          </p:nvPr>
-        </p:nvSpPr>
-        <p:spPr>
-          <a:xfrm>
-            <a:off x="311725" y="500925"/>
-            <a:ext cx="8520600" cy="623700"/>
-          </a:xfrm>
-          <a:prstGeom prst="rect">
-            <a:avLst/>
-          </a:prstGeom>
-        </p:spPr>
-        <p:txBody>
-          <a:bodyPr anchorCtr="0" anchor="t" bIns="91425" lIns="91425" spcFirstLastPara="1" rIns="91425" wrap="square" tIns="91425">
-            <a:noAutofit/>
-          </a:bodyPr>
-          <a:lstStyle/>
-          <a:p>
-            <a:pPr indent="0" lvl="0" marL="0" rtl="0" algn="l">
-              <a:spcBef>
-                <a:spcPts val="0"/>
-              </a:spcBef>
-              <a:spcAft>
-                <a:spcPts val="0"/>
-              </a:spcAft>
-              <a:buNone/>
-            </a:pPr>
-            <a:r>
-              <a:rPr lang="en"/>
               <a:t>Exercise</a:t>
             </a:r>
             <a:endParaRPr/>
@@ -8677,7 +8393,7 @@
       </p:sp>
       <p:sp>
         <p:nvSpPr>
-          <p:cNvPr id="147" name="Google Shape;147;p25"/>
+          <p:cNvPr id="141" name="Google Shape;141;p24"/>
           <p:cNvSpPr txBox="1"/>
           <p:nvPr/>
         </p:nvSpPr>
@@ -9361,7 +9077,7 @@
             </a:pPr>
             <a:r>
               <a:rPr lang="en"/>
-              <a:t>Polymorphism More Complex Example</a:t>
+              <a:t>System.Object</a:t>
             </a:r>
             <a:endParaRPr/>
           </a:p>
@@ -9376,7 +9092,7 @@
         <p:spPr>
           <a:xfrm>
             <a:off x="648350" y="1823150"/>
-            <a:ext cx="7292700" cy="2922000"/>
+            <a:ext cx="7740600" cy="2922000"/>
           </a:xfrm>
           <a:prstGeom prst="rect">
             <a:avLst/>
@@ -9392,7 +9108,7 @@
           </a:bodyPr>
           <a:lstStyle/>
           <a:p>
-            <a:pPr indent="0" lvl="0" marL="0" rtl="0" algn="l">
+            <a:pPr indent="-381000" lvl="0" marL="457200" rtl="0" algn="l">
               <a:lnSpc>
                 <a:spcPct val="150000"/>
               </a:lnSpc>
@@ -9402,7 +9118,9 @@
               <a:spcAft>
                 <a:spcPts val="0"/>
               </a:spcAft>
-              <a:buNone/>
+              <a:buSzPts val="2400"/>
+              <a:buFont typeface="Roboto"/>
+              <a:buChar char="●"/>
             </a:pPr>
             <a:r>
               <a:rPr lang="en" sz="2400">
@@ -9411,7 +9129,7 @@
                 <a:cs typeface="Roboto"/>
                 <a:sym typeface="Roboto"/>
               </a:rPr>
-              <a:t>Example: 3DRectangle, inherit from Rectangle  </a:t>
+              <a:t>All classes in C# inherit from System.Object</a:t>
             </a:r>
             <a:endParaRPr sz="2400">
               <a:latin typeface="Roboto"/>
@@ -9421,7 +9139,7 @@
             </a:endParaRPr>
           </a:p>
           <a:p>
-            <a:pPr indent="0" lvl="0" marL="0" rtl="0" algn="l">
+            <a:pPr indent="-381000" lvl="0" marL="457200" rtl="0" algn="l">
               <a:lnSpc>
                 <a:spcPct val="150000"/>
               </a:lnSpc>
@@ -9431,7 +9149,9 @@
               <a:spcAft>
                 <a:spcPts val="0"/>
               </a:spcAft>
-              <a:buNone/>
+              <a:buSzPts val="2400"/>
+              <a:buFont typeface="Roboto"/>
+              <a:buChar char="●"/>
             </a:pPr>
             <a:r>
               <a:rPr lang="en" sz="2400">
@@ -9440,7 +9160,7 @@
                 <a:cs typeface="Roboto"/>
                 <a:sym typeface="Roboto"/>
               </a:rPr>
-              <a:t>Add depth property</a:t>
+              <a:t>Provides 8 methods</a:t>
             </a:r>
             <a:endParaRPr sz="2400">
               <a:latin typeface="Roboto"/>
@@ -9450,7 +9170,7 @@
             </a:endParaRPr>
           </a:p>
           <a:p>
-            <a:pPr indent="0" lvl="0" marL="0" rtl="0" algn="l">
+            <a:pPr indent="-381000" lvl="0" marL="457200" rtl="0" algn="l">
               <a:lnSpc>
                 <a:spcPct val="150000"/>
               </a:lnSpc>
@@ -9460,7 +9180,9 @@
               <a:spcAft>
                 <a:spcPts val="0"/>
               </a:spcAft>
-              <a:buNone/>
+              <a:buSzPts val="2400"/>
+              <a:buFont typeface="Roboto"/>
+              <a:buChar char="●"/>
             </a:pPr>
             <a:r>
               <a:rPr lang="en" sz="2400">
@@ -9469,7 +9191,38 @@
                 <a:cs typeface="Roboto"/>
                 <a:sym typeface="Roboto"/>
               </a:rPr>
-              <a:t>Override Area() method</a:t>
+              <a:t>All details can be found on MSDN</a:t>
+            </a:r>
+            <a:endParaRPr sz="2400">
+              <a:latin typeface="Roboto"/>
+              <a:ea typeface="Roboto"/>
+              <a:cs typeface="Roboto"/>
+              <a:sym typeface="Roboto"/>
+            </a:endParaRPr>
+          </a:p>
+          <a:p>
+            <a:pPr indent="-381000" lvl="0" marL="457200" rtl="0" algn="l">
+              <a:lnSpc>
+                <a:spcPct val="150000"/>
+              </a:lnSpc>
+              <a:spcBef>
+                <a:spcPts val="0"/>
+              </a:spcBef>
+              <a:spcAft>
+                <a:spcPts val="0"/>
+              </a:spcAft>
+              <a:buSzPts val="2400"/>
+              <a:buFont typeface="Roboto"/>
+              <a:buChar char="●"/>
+            </a:pPr>
+            <a:r>
+              <a:rPr lang="en" sz="2400">
+                <a:latin typeface="Roboto"/>
+                <a:ea typeface="Roboto"/>
+                <a:cs typeface="Roboto"/>
+                <a:sym typeface="Roboto"/>
+              </a:rPr>
+              <a:t>ToString() in Rectangle overrides Object’s ToString()</a:t>
             </a:r>
             <a:endParaRPr sz="2400">
               <a:latin typeface="Roboto"/>
@@ -9585,7 +9338,7 @@
             </a:pPr>
             <a:r>
               <a:rPr lang="en"/>
-              <a:t>System.Object</a:t>
+              <a:t>Abstraction</a:t>
             </a:r>
             <a:endParaRPr/>
           </a:p>
@@ -9600,7 +9353,7 @@
         <p:spPr>
           <a:xfrm>
             <a:off x="648350" y="1823150"/>
-            <a:ext cx="7740600" cy="2922000"/>
+            <a:ext cx="8184000" cy="2922000"/>
           </a:xfrm>
           <a:prstGeom prst="rect">
             <a:avLst/>
@@ -9637,7 +9390,25 @@
                 <a:cs typeface="Roboto"/>
                 <a:sym typeface="Roboto"/>
               </a:rPr>
-              <a:t>All classes in C# inherit from System.Object</a:t>
+              <a:t>When </a:t>
+            </a:r>
+            <a:r>
+              <a:rPr lang="en" sz="2400">
+                <a:latin typeface="Roboto"/>
+                <a:ea typeface="Roboto"/>
+                <a:cs typeface="Roboto"/>
+                <a:sym typeface="Roboto"/>
+              </a:rPr>
+              <a:t>designing</a:t>
+            </a:r>
+            <a:r>
+              <a:rPr lang="en" sz="2400">
+                <a:latin typeface="Roboto"/>
+                <a:ea typeface="Roboto"/>
+                <a:cs typeface="Roboto"/>
+                <a:sym typeface="Roboto"/>
+              </a:rPr>
+              <a:t> an object we don’t have to think about concrete implementation</a:t>
             </a:r>
             <a:endParaRPr sz="2400">
               <a:latin typeface="Roboto"/>
@@ -9668,7 +9439,7 @@
                 <a:cs typeface="Roboto"/>
                 <a:sym typeface="Roboto"/>
               </a:rPr>
-              <a:t>Provides 8 methods</a:t>
+              <a:t>What is the min set of methods an object can have?</a:t>
             </a:r>
             <a:endParaRPr sz="2400">
               <a:latin typeface="Roboto"/>
@@ -9694,12 +9465,11 @@
             </a:pPr>
             <a:r>
               <a:rPr lang="en" sz="2400">
-                <a:latin typeface="Roboto"/>
-                <a:ea typeface="Roboto"/>
-                <a:cs typeface="Roboto"/>
-                <a:sym typeface="Roboto"/>
+                <a:highlight>
+                  <a:srgbClr val="FFFFFF"/>
+                </a:highlight>
               </a:rPr>
-              <a:t>All details can be found on MSDN</a:t>
+              <a:t> Abstraction is about handling  complexity by hiding unnecessary details from the user. </a:t>
             </a:r>
             <a:endParaRPr sz="2400">
               <a:latin typeface="Roboto"/>
@@ -9709,7 +9479,7 @@
             </a:endParaRPr>
           </a:p>
           <a:p>
-            <a:pPr indent="-381000" lvl="0" marL="457200" rtl="0" algn="l">
+            <a:pPr indent="0" lvl="0" marL="457200" rtl="0" algn="l">
               <a:lnSpc>
                 <a:spcPct val="150000"/>
               </a:lnSpc>
@@ -9719,18 +9489,10 @@
               <a:spcAft>
                 <a:spcPts val="0"/>
               </a:spcAft>
-              <a:buSzPts val="2400"/>
-              <a:buFont typeface="Roboto"/>
-              <a:buChar char="●"/>
+              <a:buNone/>
             </a:pPr>
             <a:r>
-              <a:rPr lang="en" sz="2400">
-                <a:latin typeface="Roboto"/>
-                <a:ea typeface="Roboto"/>
-                <a:cs typeface="Roboto"/>
-                <a:sym typeface="Roboto"/>
-              </a:rPr>
-              <a:t>ToString() in Rectangle overrides Object’s ToString()</a:t>
+              <a:t/>
             </a:r>
             <a:endParaRPr sz="2400">
               <a:latin typeface="Roboto"/>
@@ -9846,7 +9608,7 @@
             </a:pPr>
             <a:r>
               <a:rPr lang="en"/>
-              <a:t>Abstraction</a:t>
+              <a:t>Abstract class - Example</a:t>
             </a:r>
             <a:endParaRPr/>
           </a:p>
@@ -9855,304 +9617,6 @@
       <p:sp>
         <p:nvSpPr>
           <p:cNvPr id="102" name="Google Shape;102;p19"/>
-          <p:cNvSpPr txBox="1"/>
-          <p:nvPr/>
-        </p:nvSpPr>
-        <p:spPr>
-          <a:xfrm>
-            <a:off x="648350" y="1823150"/>
-            <a:ext cx="7292700" cy="2922000"/>
-          </a:xfrm>
-          <a:prstGeom prst="rect">
-            <a:avLst/>
-          </a:prstGeom>
-          <a:noFill/>
-          <a:ln>
-            <a:noFill/>
-          </a:ln>
-        </p:spPr>
-        <p:txBody>
-          <a:bodyPr anchorCtr="0" anchor="t" bIns="91425" lIns="91425" spcFirstLastPara="1" rIns="91425" wrap="square" tIns="91425">
-            <a:noAutofit/>
-          </a:bodyPr>
-          <a:lstStyle/>
-          <a:p>
-            <a:pPr indent="-381000" lvl="0" marL="457200" rtl="0" algn="l">
-              <a:lnSpc>
-                <a:spcPct val="150000"/>
-              </a:lnSpc>
-              <a:spcBef>
-                <a:spcPts val="0"/>
-              </a:spcBef>
-              <a:spcAft>
-                <a:spcPts val="0"/>
-              </a:spcAft>
-              <a:buSzPts val="2400"/>
-              <a:buFont typeface="Roboto"/>
-              <a:buChar char="●"/>
-            </a:pPr>
-            <a:r>
-              <a:rPr lang="en" sz="2400">
-                <a:latin typeface="Roboto"/>
-                <a:ea typeface="Roboto"/>
-                <a:cs typeface="Roboto"/>
-                <a:sym typeface="Roboto"/>
-              </a:rPr>
-              <a:t>When </a:t>
-            </a:r>
-            <a:r>
-              <a:rPr lang="en" sz="2400">
-                <a:latin typeface="Roboto"/>
-                <a:ea typeface="Roboto"/>
-                <a:cs typeface="Roboto"/>
-                <a:sym typeface="Roboto"/>
-              </a:rPr>
-              <a:t>designing</a:t>
-            </a:r>
-            <a:r>
-              <a:rPr lang="en" sz="2400">
-                <a:latin typeface="Roboto"/>
-                <a:ea typeface="Roboto"/>
-                <a:cs typeface="Roboto"/>
-                <a:sym typeface="Roboto"/>
-              </a:rPr>
-              <a:t> an object we don’t have to think about concrete implementation</a:t>
-            </a:r>
-            <a:endParaRPr sz="2400">
-              <a:latin typeface="Roboto"/>
-              <a:ea typeface="Roboto"/>
-              <a:cs typeface="Roboto"/>
-              <a:sym typeface="Roboto"/>
-            </a:endParaRPr>
-          </a:p>
-          <a:p>
-            <a:pPr indent="-381000" lvl="0" marL="457200" rtl="0" algn="l">
-              <a:lnSpc>
-                <a:spcPct val="150000"/>
-              </a:lnSpc>
-              <a:spcBef>
-                <a:spcPts val="0"/>
-              </a:spcBef>
-              <a:spcAft>
-                <a:spcPts val="0"/>
-              </a:spcAft>
-              <a:buSzPts val="2400"/>
-              <a:buFont typeface="Roboto"/>
-              <a:buChar char="●"/>
-            </a:pPr>
-            <a:r>
-              <a:rPr lang="en" sz="2400">
-                <a:latin typeface="Roboto"/>
-                <a:ea typeface="Roboto"/>
-                <a:cs typeface="Roboto"/>
-                <a:sym typeface="Roboto"/>
-              </a:rPr>
-              <a:t>What is the min set of methods an object can have</a:t>
-            </a:r>
-            <a:endParaRPr sz="2400">
-              <a:latin typeface="Roboto"/>
-              <a:ea typeface="Roboto"/>
-              <a:cs typeface="Roboto"/>
-              <a:sym typeface="Roboto"/>
-            </a:endParaRPr>
-          </a:p>
-          <a:p>
-            <a:pPr indent="-381000" lvl="0" marL="457200" rtl="0" algn="l">
-              <a:lnSpc>
-                <a:spcPct val="150000"/>
-              </a:lnSpc>
-              <a:spcBef>
-                <a:spcPts val="0"/>
-              </a:spcBef>
-              <a:spcAft>
-                <a:spcPts val="0"/>
-              </a:spcAft>
-              <a:buSzPts val="2400"/>
-              <a:buFont typeface="Roboto"/>
-              <a:buChar char="●"/>
-            </a:pPr>
-            <a:r>
-              <a:rPr lang="en" sz="1600">
-                <a:highlight>
-                  <a:srgbClr val="FFFFFF"/>
-                </a:highlight>
-              </a:rPr>
-              <a:t> Abstraction is about handling  complexity by hiding unnecessary details from the user. </a:t>
-            </a:r>
-            <a:endParaRPr sz="2400">
-              <a:latin typeface="Roboto"/>
-              <a:ea typeface="Roboto"/>
-              <a:cs typeface="Roboto"/>
-              <a:sym typeface="Roboto"/>
-            </a:endParaRPr>
-          </a:p>
-          <a:p>
-            <a:pPr indent="0" lvl="0" marL="457200" rtl="0" algn="l">
-              <a:lnSpc>
-                <a:spcPct val="150000"/>
-              </a:lnSpc>
-              <a:spcBef>
-                <a:spcPts val="0"/>
-              </a:spcBef>
-              <a:spcAft>
-                <a:spcPts val="0"/>
-              </a:spcAft>
-              <a:buNone/>
-            </a:pPr>
-            <a:r>
-              <a:t/>
-            </a:r>
-            <a:endParaRPr sz="2400">
-              <a:latin typeface="Roboto"/>
-              <a:ea typeface="Roboto"/>
-              <a:cs typeface="Roboto"/>
-              <a:sym typeface="Roboto"/>
-            </a:endParaRPr>
-          </a:p>
-          <a:p>
-            <a:pPr indent="0" lvl="0" marL="0" rtl="0" algn="l">
-              <a:lnSpc>
-                <a:spcPct val="150000"/>
-              </a:lnSpc>
-              <a:spcBef>
-                <a:spcPts val="0"/>
-              </a:spcBef>
-              <a:spcAft>
-                <a:spcPts val="0"/>
-              </a:spcAft>
-              <a:buNone/>
-            </a:pPr>
-            <a:r>
-              <a:t/>
-            </a:r>
-            <a:endParaRPr sz="2400">
-              <a:latin typeface="Roboto"/>
-              <a:ea typeface="Roboto"/>
-              <a:cs typeface="Roboto"/>
-              <a:sym typeface="Roboto"/>
-            </a:endParaRPr>
-          </a:p>
-          <a:p>
-            <a:pPr indent="0" lvl="0" marL="0" rtl="0" algn="l">
-              <a:lnSpc>
-                <a:spcPct val="150000"/>
-              </a:lnSpc>
-              <a:spcBef>
-                <a:spcPts val="0"/>
-              </a:spcBef>
-              <a:spcAft>
-                <a:spcPts val="0"/>
-              </a:spcAft>
-              <a:buNone/>
-            </a:pPr>
-            <a:r>
-              <a:t/>
-            </a:r>
-            <a:endParaRPr sz="2400">
-              <a:latin typeface="Roboto"/>
-              <a:ea typeface="Roboto"/>
-              <a:cs typeface="Roboto"/>
-              <a:sym typeface="Roboto"/>
-            </a:endParaRPr>
-          </a:p>
-        </p:txBody>
-      </p:sp>
-    </p:spTree>
-  </p:cSld>
-  <p:clrMapOvr>
-    <a:masterClrMapping/>
-  </p:clrMapOvr>
-</p:sld>
-</file>
-
-<file path=ppt/slides/slide8.xml><?xml version="1.0" encoding="utf-8"?>
-<p:sld xmlns:a="http://schemas.openxmlformats.org/drawingml/2006/main" xmlns:r="http://schemas.openxmlformats.org/officeDocument/2006/relationships" xmlns:mc="http://schemas.openxmlformats.org/markup-compatibility/2006" xmlns:mv="urn:schemas-microsoft-com:mac:vml" xmlns:p="http://schemas.openxmlformats.org/presentationml/2006/main" xmlns:c="http://schemas.openxmlformats.org/drawingml/2006/chart" xmlns:dgm="http://schemas.openxmlformats.org/drawingml/2006/diagram" xmlns:o="urn:schemas-microsoft-com:office:office" xmlns:v="urn:schemas-microsoft-com:vml" xmlns:pvml="urn:schemas-microsoft-com:office:powerpoint" xmlns:com="http://schemas.openxmlformats.org/drawingml/2006/compatibility" xmlns:p14="http://schemas.microsoft.com/office/powerpoint/2010/main" xmlns:p15="http://schemas.microsoft.com/office/powerpoint/2012/main">
-  <p:cSld>
-    <p:spTree>
-      <p:nvGrpSpPr>
-        <p:cNvPr id="106" name="Shape 106"/>
-        <p:cNvGrpSpPr/>
-        <p:nvPr/>
-      </p:nvGrpSpPr>
-      <p:grpSpPr>
-        <a:xfrm>
-          <a:off x="0" y="0"/>
-          <a:ext cx="0" cy="0"/>
-          <a:chOff x="0" y="0"/>
-          <a:chExt cx="0" cy="0"/>
-        </a:xfrm>
-      </p:grpSpPr>
-      <p:sp>
-        <p:nvSpPr>
-          <p:cNvPr id="107" name="Google Shape;107;p20"/>
-          <p:cNvSpPr txBox="1"/>
-          <p:nvPr>
-            <p:ph type="title"/>
-          </p:nvPr>
-        </p:nvSpPr>
-        <p:spPr>
-          <a:xfrm>
-            <a:off x="311725" y="500925"/>
-            <a:ext cx="8520600" cy="623700"/>
-          </a:xfrm>
-          <a:prstGeom prst="rect">
-            <a:avLst/>
-          </a:prstGeom>
-        </p:spPr>
-        <p:txBody>
-          <a:bodyPr anchorCtr="0" anchor="t" bIns="91425" lIns="91425" spcFirstLastPara="1" rIns="91425" wrap="square" tIns="91425">
-            <a:noAutofit/>
-          </a:bodyPr>
-          <a:lstStyle/>
-          <a:p>
-            <a:pPr indent="0" lvl="0" marL="0" rtl="0" algn="l">
-              <a:spcBef>
-                <a:spcPts val="0"/>
-              </a:spcBef>
-              <a:spcAft>
-                <a:spcPts val="0"/>
-              </a:spcAft>
-              <a:buNone/>
-            </a:pPr>
-            <a:r>
-              <a:rPr lang="en"/>
-              <a:t>Abstract class - Example</a:t>
-            </a:r>
-            <a:endParaRPr/>
-          </a:p>
-        </p:txBody>
-      </p:sp>
-      <p:pic>
-        <p:nvPicPr>
-          <p:cNvPr id="108" name="Google Shape;108;p20"/>
-          <p:cNvPicPr preferRelativeResize="0"/>
-          <p:nvPr/>
-        </p:nvPicPr>
-        <p:blipFill>
-          <a:blip r:embed="rId3">
-            <a:alphaModFix/>
-          </a:blip>
-          <a:stretch>
-            <a:fillRect/>
-          </a:stretch>
-        </p:blipFill>
-        <p:spPr>
-          <a:xfrm>
-            <a:off x="152400" y="1297375"/>
-            <a:ext cx="6270623" cy="3714074"/>
-          </a:xfrm>
-          <a:prstGeom prst="rect">
-            <a:avLst/>
-          </a:prstGeom>
-          <a:noFill/>
-          <a:ln>
-            <a:noFill/>
-          </a:ln>
-        </p:spPr>
-      </p:pic>
-      <p:sp>
-        <p:nvSpPr>
-          <p:cNvPr id="109" name="Google Shape;109;p20"/>
           <p:cNvSpPr txBox="1"/>
           <p:nvPr/>
         </p:nvSpPr>
@@ -10248,7 +9712,7 @@
       </p:sp>
       <p:sp>
         <p:nvSpPr>
-          <p:cNvPr id="110" name="Google Shape;110;p20"/>
+          <p:cNvPr id="103" name="Google Shape;103;p19"/>
           <p:cNvSpPr/>
           <p:nvPr/>
         </p:nvSpPr>
@@ -10299,7 +9763,7 @@
       </p:sp>
       <p:sp>
         <p:nvSpPr>
-          <p:cNvPr id="111" name="Google Shape;111;p20"/>
+          <p:cNvPr id="104" name="Google Shape;104;p19"/>
           <p:cNvSpPr/>
           <p:nvPr/>
         </p:nvSpPr>
@@ -10348,6 +9812,34 @@
           </a:p>
         </p:txBody>
       </p:sp>
+      <p:pic>
+        <p:nvPicPr>
+          <p:cNvPr id="105" name="Google Shape;105;p19"/>
+          <p:cNvPicPr preferRelativeResize="0"/>
+          <p:nvPr/>
+        </p:nvPicPr>
+        <p:blipFill>
+          <a:blip r:embed="rId3">
+            <a:alphaModFix/>
+          </a:blip>
+          <a:stretch>
+            <a:fillRect/>
+          </a:stretch>
+        </p:blipFill>
+        <p:spPr>
+          <a:xfrm>
+            <a:off x="172775" y="1307575"/>
+            <a:ext cx="5802800" cy="3531293"/>
+          </a:xfrm>
+          <a:prstGeom prst="rect">
+            <a:avLst/>
+          </a:prstGeom>
+          <a:noFill/>
+          <a:ln>
+            <a:noFill/>
+          </a:ln>
+        </p:spPr>
+      </p:pic>
     </p:spTree>
   </p:cSld>
   <p:clrMapOvr>
@@ -10356,12 +9848,12 @@
 </p:sld>
 </file>
 
-<file path=ppt/slides/slide9.xml><?xml version="1.0" encoding="utf-8"?>
+<file path=ppt/slides/slide8.xml><?xml version="1.0" encoding="utf-8"?>
 <p:sld xmlns:a="http://schemas.openxmlformats.org/drawingml/2006/main" xmlns:r="http://schemas.openxmlformats.org/officeDocument/2006/relationships" xmlns:mc="http://schemas.openxmlformats.org/markup-compatibility/2006" xmlns:mv="urn:schemas-microsoft-com:mac:vml" xmlns:p="http://schemas.openxmlformats.org/presentationml/2006/main" xmlns:c="http://schemas.openxmlformats.org/drawingml/2006/chart" xmlns:dgm="http://schemas.openxmlformats.org/drawingml/2006/diagram" xmlns:o="urn:schemas-microsoft-com:office:office" xmlns:v="urn:schemas-microsoft-com:vml" xmlns:pvml="urn:schemas-microsoft-com:office:powerpoint" xmlns:com="http://schemas.openxmlformats.org/drawingml/2006/compatibility" xmlns:p14="http://schemas.microsoft.com/office/powerpoint/2010/main" xmlns:p15="http://schemas.microsoft.com/office/powerpoint/2012/main">
   <p:cSld>
     <p:spTree>
       <p:nvGrpSpPr>
-        <p:cNvPr id="115" name="Shape 115"/>
+        <p:cNvPr id="109" name="Shape 109"/>
         <p:cNvGrpSpPr/>
         <p:nvPr/>
       </p:nvGrpSpPr>
@@ -10375,7 +9867,7 @@
       </p:grpSpPr>
       <p:sp>
         <p:nvSpPr>
-          <p:cNvPr id="116" name="Google Shape;116;p21"/>
+          <p:cNvPr id="110" name="Google Shape;110;p20"/>
           <p:cNvSpPr txBox="1"/>
           <p:nvPr>
             <p:ph type="title"/>
@@ -10415,7 +9907,7 @@
       </p:sp>
       <p:sp>
         <p:nvSpPr>
-          <p:cNvPr id="117" name="Google Shape;117;p21"/>
+          <p:cNvPr id="111" name="Google Shape;111;p20"/>
           <p:cNvSpPr txBox="1"/>
           <p:nvPr/>
         </p:nvSpPr>
@@ -10541,37 +10033,9 @@
           </a:p>
         </p:txBody>
       </p:sp>
-      <p:pic>
-        <p:nvPicPr>
-          <p:cNvPr id="118" name="Google Shape;118;p21"/>
-          <p:cNvPicPr preferRelativeResize="0"/>
-          <p:nvPr/>
-        </p:nvPicPr>
-        <p:blipFill>
-          <a:blip r:embed="rId3">
-            <a:alphaModFix/>
-          </a:blip>
-          <a:stretch>
-            <a:fillRect/>
-          </a:stretch>
-        </p:blipFill>
-        <p:spPr>
-          <a:xfrm>
-            <a:off x="223700" y="1409425"/>
-            <a:ext cx="5670399" cy="3473368"/>
-          </a:xfrm>
-          <a:prstGeom prst="rect">
-            <a:avLst/>
-          </a:prstGeom>
-          <a:noFill/>
-          <a:ln>
-            <a:noFill/>
-          </a:ln>
-        </p:spPr>
-      </p:pic>
       <p:sp>
         <p:nvSpPr>
-          <p:cNvPr id="119" name="Google Shape;119;p21"/>
+          <p:cNvPr id="112" name="Google Shape;112;p20"/>
           <p:cNvSpPr/>
           <p:nvPr/>
         </p:nvSpPr>
@@ -10622,7 +10086,7 @@
       </p:sp>
       <p:sp>
         <p:nvSpPr>
-          <p:cNvPr id="120" name="Google Shape;120;p21"/>
+          <p:cNvPr id="113" name="Google Shape;113;p20"/>
           <p:cNvSpPr/>
           <p:nvPr/>
         </p:nvSpPr>
@@ -10668,6 +10132,218 @@
               <a:t/>
             </a:r>
             <a:endParaRPr/>
+          </a:p>
+        </p:txBody>
+      </p:sp>
+      <p:pic>
+        <p:nvPicPr>
+          <p:cNvPr id="114" name="Google Shape;114;p20"/>
+          <p:cNvPicPr preferRelativeResize="0"/>
+          <p:nvPr/>
+        </p:nvPicPr>
+        <p:blipFill>
+          <a:blip r:embed="rId3">
+            <a:alphaModFix/>
+          </a:blip>
+          <a:stretch>
+            <a:fillRect/>
+          </a:stretch>
+        </p:blipFill>
+        <p:spPr>
+          <a:xfrm>
+            <a:off x="142225" y="1357350"/>
+            <a:ext cx="5967880" cy="3570425"/>
+          </a:xfrm>
+          <a:prstGeom prst="rect">
+            <a:avLst/>
+          </a:prstGeom>
+          <a:noFill/>
+          <a:ln>
+            <a:noFill/>
+          </a:ln>
+        </p:spPr>
+      </p:pic>
+    </p:spTree>
+  </p:cSld>
+  <p:clrMapOvr>
+    <a:masterClrMapping/>
+  </p:clrMapOvr>
+</p:sld>
+</file>
+
+<file path=ppt/slides/slide9.xml><?xml version="1.0" encoding="utf-8"?>
+<p:sld xmlns:a="http://schemas.openxmlformats.org/drawingml/2006/main" xmlns:r="http://schemas.openxmlformats.org/officeDocument/2006/relationships" xmlns:mc="http://schemas.openxmlformats.org/markup-compatibility/2006" xmlns:mv="urn:schemas-microsoft-com:mac:vml" xmlns:p="http://schemas.openxmlformats.org/presentationml/2006/main" xmlns:c="http://schemas.openxmlformats.org/drawingml/2006/chart" xmlns:dgm="http://schemas.openxmlformats.org/drawingml/2006/diagram" xmlns:o="urn:schemas-microsoft-com:office:office" xmlns:v="urn:schemas-microsoft-com:vml" xmlns:pvml="urn:schemas-microsoft-com:office:powerpoint" xmlns:com="http://schemas.openxmlformats.org/drawingml/2006/compatibility" xmlns:p14="http://schemas.microsoft.com/office/powerpoint/2010/main" xmlns:p15="http://schemas.microsoft.com/office/powerpoint/2012/main">
+  <p:cSld>
+    <p:spTree>
+      <p:nvGrpSpPr>
+        <p:cNvPr id="118" name="Shape 118"/>
+        <p:cNvGrpSpPr/>
+        <p:nvPr/>
+      </p:nvGrpSpPr>
+      <p:grpSpPr>
+        <a:xfrm>
+          <a:off x="0" y="0"/>
+          <a:ext cx="0" cy="0"/>
+          <a:chOff x="0" y="0"/>
+          <a:chExt cx="0" cy="0"/>
+        </a:xfrm>
+      </p:grpSpPr>
+      <p:sp>
+        <p:nvSpPr>
+          <p:cNvPr id="119" name="Google Shape;119;p21"/>
+          <p:cNvSpPr txBox="1"/>
+          <p:nvPr>
+            <p:ph type="title"/>
+          </p:nvPr>
+        </p:nvSpPr>
+        <p:spPr>
+          <a:xfrm>
+            <a:off x="311725" y="500925"/>
+            <a:ext cx="8520600" cy="623700"/>
+          </a:xfrm>
+          <a:prstGeom prst="rect">
+            <a:avLst/>
+          </a:prstGeom>
+        </p:spPr>
+        <p:txBody>
+          <a:bodyPr anchorCtr="0" anchor="t" bIns="91425" lIns="91425" spcFirstLastPara="1" rIns="91425" wrap="square" tIns="91425">
+            <a:noAutofit/>
+          </a:bodyPr>
+          <a:lstStyle/>
+          <a:p>
+            <a:pPr indent="0" lvl="0" marL="0" rtl="0" algn="l">
+              <a:spcBef>
+                <a:spcPts val="0"/>
+              </a:spcBef>
+              <a:spcAft>
+                <a:spcPts val="0"/>
+              </a:spcAft>
+              <a:buNone/>
+            </a:pPr>
+            <a:r>
+              <a:rPr lang="en"/>
+              <a:t>Interface</a:t>
+            </a:r>
+            <a:endParaRPr/>
+          </a:p>
+        </p:txBody>
+      </p:sp>
+      <p:sp>
+        <p:nvSpPr>
+          <p:cNvPr id="120" name="Google Shape;120;p21"/>
+          <p:cNvSpPr txBox="1"/>
+          <p:nvPr/>
+        </p:nvSpPr>
+        <p:spPr>
+          <a:xfrm>
+            <a:off x="648350" y="1823150"/>
+            <a:ext cx="7292700" cy="2922000"/>
+          </a:xfrm>
+          <a:prstGeom prst="rect">
+            <a:avLst/>
+          </a:prstGeom>
+          <a:noFill/>
+          <a:ln>
+            <a:noFill/>
+          </a:ln>
+        </p:spPr>
+        <p:txBody>
+          <a:bodyPr anchorCtr="0" anchor="t" bIns="91425" lIns="91425" spcFirstLastPara="1" rIns="91425" wrap="square" tIns="91425">
+            <a:noAutofit/>
+          </a:bodyPr>
+          <a:lstStyle/>
+          <a:p>
+            <a:pPr indent="-381000" lvl="0" marL="457200" rtl="0" algn="l">
+              <a:lnSpc>
+                <a:spcPct val="150000"/>
+              </a:lnSpc>
+              <a:spcBef>
+                <a:spcPts val="0"/>
+              </a:spcBef>
+              <a:spcAft>
+                <a:spcPts val="0"/>
+              </a:spcAft>
+              <a:buSzPts val="2400"/>
+              <a:buFont typeface="Roboto"/>
+              <a:buChar char="●"/>
+            </a:pPr>
+            <a:r>
+              <a:rPr lang="en" sz="2400">
+                <a:latin typeface="Roboto"/>
+                <a:ea typeface="Roboto"/>
+                <a:cs typeface="Roboto"/>
+                <a:sym typeface="Roboto"/>
+              </a:rPr>
+              <a:t>Defines a set of functions that all derived classes need to implement</a:t>
+            </a:r>
+            <a:endParaRPr sz="2400">
+              <a:latin typeface="Roboto"/>
+              <a:ea typeface="Roboto"/>
+              <a:cs typeface="Roboto"/>
+              <a:sym typeface="Roboto"/>
+            </a:endParaRPr>
+          </a:p>
+          <a:p>
+            <a:pPr indent="-381000" lvl="0" marL="457200" rtl="0" algn="l">
+              <a:lnSpc>
+                <a:spcPct val="150000"/>
+              </a:lnSpc>
+              <a:spcBef>
+                <a:spcPts val="0"/>
+              </a:spcBef>
+              <a:spcAft>
+                <a:spcPts val="0"/>
+              </a:spcAft>
+              <a:buSzPts val="2400"/>
+              <a:buFont typeface="Roboto"/>
+              <a:buChar char="●"/>
+            </a:pPr>
+            <a:r>
+              <a:rPr lang="en" sz="2400">
+                <a:latin typeface="Roboto"/>
+                <a:ea typeface="Roboto"/>
+                <a:cs typeface="Roboto"/>
+                <a:sym typeface="Roboto"/>
+              </a:rPr>
+              <a:t>Serves as a “contract” for child classes</a:t>
+            </a:r>
+            <a:endParaRPr sz="2400">
+              <a:latin typeface="Roboto"/>
+              <a:ea typeface="Roboto"/>
+              <a:cs typeface="Roboto"/>
+              <a:sym typeface="Roboto"/>
+            </a:endParaRPr>
+          </a:p>
+          <a:p>
+            <a:pPr indent="-381000" lvl="0" marL="457200" rtl="0" algn="l">
+              <a:lnSpc>
+                <a:spcPct val="150000"/>
+              </a:lnSpc>
+              <a:spcBef>
+                <a:spcPts val="0"/>
+              </a:spcBef>
+              <a:spcAft>
+                <a:spcPts val="0"/>
+              </a:spcAft>
+              <a:buSzPts val="2400"/>
+              <a:buFont typeface="Roboto"/>
+              <a:buChar char="●"/>
+            </a:pPr>
+            <a:r>
+              <a:rPr lang="en" sz="2400">
+                <a:latin typeface="Roboto"/>
+                <a:ea typeface="Roboto"/>
+                <a:cs typeface="Roboto"/>
+                <a:sym typeface="Roboto"/>
+              </a:rPr>
+              <a:t>As opposed to Abstract classes, can’t contain any implementation</a:t>
+            </a:r>
+            <a:endParaRPr sz="2400">
+              <a:latin typeface="Roboto"/>
+              <a:ea typeface="Roboto"/>
+              <a:cs typeface="Roboto"/>
+              <a:sym typeface="Roboto"/>
+            </a:endParaRPr>
           </a:p>
         </p:txBody>
       </p:sp>
